--- a/PPTs/Lecture 15-sorting Exercises ANS.pptx
+++ b/PPTs/Lecture 15-sorting Exercises ANS.pptx
@@ -9112,13 +9112,16 @@
             </a:r>
             <a:r>
               <a:rPr lang="en-GB" sz="1800" dirty="0"/>
-              <a:t> algorithm, and you will get a different Binary Search Tree at the end. </a:t>
+              <a:t> algorithm, and you will get a different Binary Search Tree at </a:t>
             </a:r>
             <a:r>
               <a:rPr lang="en-GB" sz="1800"/>
+              <a:t>the end </a:t>
+            </a:r>
+            <a:r>
+              <a:rPr lang="en-GB" sz="1800" dirty="0"/>
               <a:t>(although the final result will still be sorted.)</a:t>
             </a:r>
-            <a:endParaRPr lang="en-GB" sz="1800" dirty="0"/>
           </a:p>
         </p:txBody>
       </p:sp>

--- a/PPTs/Lecture 15-sorting Exercises ANS.pptx
+++ b/PPTs/Lecture 15-sorting Exercises ANS.pptx
@@ -9053,7 +9053,23 @@
             </a:pPr>
             <a:r>
               <a:rPr lang="en-GB" sz="1800" dirty="0"/>
-              <a:t>Sort this array of numbers with Quick Sort into ascending order, using the first number of each subarray as the pivot. Show the intermediate subarrays at each step, enclosing the pivot at each step with parentheses. Draw the corresponding Binary Search Tree and give the final sorted array.</a:t>
+              <a:t>Sort this array of numbers with </a:t>
+            </a:r>
+            <a:r>
+              <a:rPr lang="en-US" sz="1800" b="1" dirty="0"/>
+              <a:t>In-Place </a:t>
+            </a:r>
+            <a:r>
+              <a:rPr lang="en-GB" sz="1800" b="1" dirty="0" err="1"/>
+              <a:t>QuickSort</a:t>
+            </a:r>
+            <a:r>
+              <a:rPr lang="en-GB" sz="1800" b="1" dirty="0"/>
+              <a:t> </a:t>
+            </a:r>
+            <a:r>
+              <a:rPr lang="en-GB" sz="1800" dirty="0"/>
+              <a:t>into ascending order, using the first number of each subarray as the pivot. Show the intermediate subarrays at each step, enclosing the pivot at each step with parentheses. Draw the corresponding Binary Search Tree and give the final sorted array.</a:t>
             </a:r>
           </a:p>
           <a:p>
@@ -9071,7 +9087,7 @@
             </a:pPr>
             <a:r>
               <a:rPr lang="en-GB" sz="1800" dirty="0"/>
-              <a:t>ANS: fig to the right</a:t>
+              <a:t>ANS: fig to the right.</a:t>
             </a:r>
           </a:p>
           <a:p>
@@ -9112,15 +9128,7 @@
             </a:r>
             <a:r>
               <a:rPr lang="en-GB" sz="1800" dirty="0"/>
-              <a:t> algorithm, and you will get a different Binary Search Tree at </a:t>
-            </a:r>
-            <a:r>
-              <a:rPr lang="en-GB" sz="1800"/>
-              <a:t>the end </a:t>
-            </a:r>
-            <a:r>
-              <a:rPr lang="en-GB" sz="1800" dirty="0"/>
-              <a:t>(although the final result will still be sorted.)</a:t>
+              <a:t> algorithm, and you will get a different Binary Search Tree at the end (although the final result will still be sorted.)</a:t>
             </a:r>
           </a:p>
         </p:txBody>

--- a/PPTs/Lecture 15-sorting Exercises ANS.pptx
+++ b/PPTs/Lecture 15-sorting Exercises ANS.pptx
@@ -5,7 +5,7 @@
     <p:sldMasterId id="2147483663" r:id="rId1"/>
   </p:sldMasterIdLst>
   <p:notesMasterIdLst>
-    <p:notesMasterId r:id="rId7"/>
+    <p:notesMasterId r:id="rId10"/>
   </p:notesMasterIdLst>
   <p:sldIdLst>
     <p:sldId id="283" r:id="rId2"/>
@@ -13,6 +13,9 @@
     <p:sldId id="299" r:id="rId4"/>
     <p:sldId id="300" r:id="rId5"/>
     <p:sldId id="301" r:id="rId6"/>
+    <p:sldId id="1547" r:id="rId7"/>
+    <p:sldId id="1544" r:id="rId8"/>
+    <p:sldId id="1546" r:id="rId9"/>
   </p:sldIdLst>
   <p:sldSz cx="12192000" cy="6858000"/>
   <p:notesSz cx="6858000" cy="9144000"/>
@@ -2111,6 +2114,115 @@
 </p:notes>
 </file>
 
+<file path=ppt/notesSlides/notesSlide3.xml><?xml version="1.0" encoding="utf-8"?>
+<p:notes xmlns:a="http://schemas.openxmlformats.org/drawingml/2006/main" xmlns:r="http://schemas.openxmlformats.org/officeDocument/2006/relationships" xmlns:p="http://schemas.openxmlformats.org/presentationml/2006/main">
+  <p:cSld>
+    <p:spTree>
+      <p:nvGrpSpPr>
+        <p:cNvPr id="1" name=""/>
+        <p:cNvGrpSpPr/>
+        <p:nvPr/>
+      </p:nvGrpSpPr>
+      <p:grpSpPr>
+        <a:xfrm>
+          <a:off x="0" y="0"/>
+          <a:ext cx="0" cy="0"/>
+          <a:chOff x="0" y="0"/>
+          <a:chExt cx="0" cy="0"/>
+        </a:xfrm>
+      </p:grpSpPr>
+      <p:sp>
+        <p:nvSpPr>
+          <p:cNvPr id="2" name="Slide Image Placeholder 1"/>
+          <p:cNvSpPr>
+            <a:spLocks noGrp="1" noRot="1" noChangeAspect="1"/>
+          </p:cNvSpPr>
+          <p:nvPr>
+            <p:ph type="sldImg"/>
+          </p:nvPr>
+        </p:nvSpPr>
+        <p:spPr/>
+      </p:sp>
+      <p:sp>
+        <p:nvSpPr>
+          <p:cNvPr id="3" name="Notes Placeholder 2"/>
+          <p:cNvSpPr>
+            <a:spLocks noGrp="1"/>
+          </p:cNvSpPr>
+          <p:nvPr>
+            <p:ph type="body" idx="1"/>
+          </p:nvPr>
+        </p:nvSpPr>
+        <p:spPr/>
+        <p:txBody>
+          <a:bodyPr/>
+          <a:lstStyle/>
+          <a:p>
+            <a:endParaRPr lang="en-SE" dirty="0"/>
+          </a:p>
+        </p:txBody>
+      </p:sp>
+      <p:sp>
+        <p:nvSpPr>
+          <p:cNvPr id="4" name="Slide Number Placeholder 3"/>
+          <p:cNvSpPr>
+            <a:spLocks noGrp="1"/>
+          </p:cNvSpPr>
+          <p:nvPr>
+            <p:ph type="sldNum" idx="12"/>
+          </p:nvPr>
+        </p:nvSpPr>
+        <p:spPr/>
+        <p:txBody>
+          <a:bodyPr/>
+          <a:lstStyle/>
+          <a:p>
+            <a:pPr marL="0" marR="0" lvl="0" indent="0" algn="r" rtl="0">
+              <a:spcBef>
+                <a:spcPts val="0"/>
+              </a:spcBef>
+              <a:spcAft>
+                <a:spcPts val="0"/>
+              </a:spcAft>
+              <a:buNone/>
+            </a:pPr>
+            <a:fld id="{00000000-1234-1234-1234-123412341234}" type="slidenum">
+              <a:rPr lang="en-US" sz="1200" b="0" i="0" u="none" strike="noStrike" cap="none" smtClean="0">
+                <a:solidFill>
+                  <a:schemeClr val="dk1"/>
+                </a:solidFill>
+                <a:latin typeface="Calibri"/>
+                <a:ea typeface="Calibri"/>
+                <a:cs typeface="Calibri"/>
+                <a:sym typeface="Calibri"/>
+              </a:rPr>
+              <a:t>4</a:t>
+            </a:fld>
+            <a:endParaRPr lang="en-US" sz="1200" b="0" i="0" u="none" strike="noStrike" cap="none">
+              <a:solidFill>
+                <a:schemeClr val="dk1"/>
+              </a:solidFill>
+              <a:latin typeface="Calibri"/>
+              <a:ea typeface="Calibri"/>
+              <a:cs typeface="Calibri"/>
+              <a:sym typeface="Calibri"/>
+            </a:endParaRPr>
+          </a:p>
+        </p:txBody>
+      </p:sp>
+    </p:spTree>
+    <p:extLst>
+      <p:ext uri="{BB962C8B-B14F-4D97-AF65-F5344CB8AC3E}">
+        <p14:creationId xmlns:p14="http://schemas.microsoft.com/office/powerpoint/2010/main" val="1749219967"/>
+      </p:ext>
+    </p:extLst>
+  </p:cSld>
+  <p:clrMapOvr>
+    <a:masterClrMapping/>
+  </p:clrMapOvr>
+</p:notes>
+</file>
+
 <file path=ppt/slideLayouts/slideLayout1.xml><?xml version="1.0" encoding="utf-8"?>
 <p:sldLayout xmlns:a="http://schemas.openxmlformats.org/drawingml/2006/main" xmlns:r="http://schemas.openxmlformats.org/officeDocument/2006/relationships" xmlns:p="http://schemas.openxmlformats.org/presentationml/2006/main" matchingName="Custom Layout">
   <p:cSld name="Custom Layout">
@@ -6706,6 +6818,156 @@
 </p:sldLayout>
 </file>
 
+<file path=ppt/slideLayouts/slideLayout7.xml><?xml version="1.0" encoding="utf-8"?>
+<p:sldLayout xmlns:a="http://schemas.openxmlformats.org/drawingml/2006/main" xmlns:r="http://schemas.openxmlformats.org/officeDocument/2006/relationships" xmlns:p="http://schemas.openxmlformats.org/presentationml/2006/main" type="obj">
+  <p:cSld name="Title and Content">
+    <p:spTree>
+      <p:nvGrpSpPr>
+        <p:cNvPr id="1" name=""/>
+        <p:cNvGrpSpPr/>
+        <p:nvPr/>
+      </p:nvGrpSpPr>
+      <p:grpSpPr>
+        <a:xfrm>
+          <a:off x="0" y="0"/>
+          <a:ext cx="0" cy="0"/>
+          <a:chOff x="0" y="0"/>
+          <a:chExt cx="0" cy="0"/>
+        </a:xfrm>
+      </p:grpSpPr>
+      <p:sp>
+        <p:nvSpPr>
+          <p:cNvPr id="2" name="Title 1"/>
+          <p:cNvSpPr>
+            <a:spLocks noGrp="1"/>
+          </p:cNvSpPr>
+          <p:nvPr>
+            <p:ph type="title"/>
+          </p:nvPr>
+        </p:nvSpPr>
+        <p:spPr/>
+        <p:txBody>
+          <a:bodyPr/>
+          <a:lstStyle>
+            <a:lvl1pPr>
+              <a:defRPr b="0" i="0">
+                <a:latin typeface="Gill Sans" charset="0"/>
+                <a:ea typeface="Gill Sans" charset="0"/>
+                <a:cs typeface="Gill Sans" charset="0"/>
+              </a:defRPr>
+            </a:lvl1pPr>
+          </a:lstStyle>
+          <a:p>
+            <a:r>
+              <a:rPr lang="en-US" dirty="0"/>
+              <a:t>Click to edit Master title style</a:t>
+            </a:r>
+          </a:p>
+        </p:txBody>
+      </p:sp>
+      <p:sp>
+        <p:nvSpPr>
+          <p:cNvPr id="3" name="Content Placeholder 2"/>
+          <p:cNvSpPr>
+            <a:spLocks noGrp="1"/>
+          </p:cNvSpPr>
+          <p:nvPr>
+            <p:ph idx="1"/>
+          </p:nvPr>
+        </p:nvSpPr>
+        <p:spPr/>
+        <p:txBody>
+          <a:bodyPr>
+            <a:normAutofit/>
+          </a:bodyPr>
+          <a:lstStyle>
+            <a:lvl1pPr>
+              <a:defRPr sz="2800" b="0" i="0">
+                <a:latin typeface="Gill Sans" panose="020B0502020104020203"/>
+                <a:ea typeface="Gill Sans" panose="020B0502020104020203"/>
+                <a:cs typeface="Gill Sans" panose="020B0502020104020203"/>
+              </a:defRPr>
+            </a:lvl1pPr>
+            <a:lvl2pPr>
+              <a:defRPr sz="2400" b="0" i="0">
+                <a:latin typeface="Gill Sans" panose="020B0502020104020203"/>
+                <a:ea typeface="Gill Sans" panose="020B0502020104020203"/>
+                <a:cs typeface="Gill Sans" panose="020B0502020104020203"/>
+              </a:defRPr>
+            </a:lvl2pPr>
+            <a:lvl3pPr>
+              <a:defRPr sz="2400" b="0" i="0">
+                <a:latin typeface="Gill Sans" panose="020B0502020104020203"/>
+                <a:ea typeface="Gill Sans" panose="020B0502020104020203"/>
+                <a:cs typeface="Gill Sans" panose="020B0502020104020203"/>
+              </a:defRPr>
+            </a:lvl3pPr>
+            <a:lvl4pPr>
+              <a:defRPr sz="2400" b="0" i="0">
+                <a:latin typeface="Gill Sans" panose="020B0502020104020203"/>
+                <a:ea typeface="Gill Sans" panose="020B0502020104020203"/>
+                <a:cs typeface="Gill Sans" panose="020B0502020104020203"/>
+              </a:defRPr>
+            </a:lvl4pPr>
+            <a:lvl5pPr>
+              <a:defRPr sz="2400" b="0" i="0">
+                <a:latin typeface="Gill Sans" panose="020B0502020104020203"/>
+                <a:ea typeface="Gill Sans" panose="020B0502020104020203"/>
+                <a:cs typeface="Gill Sans" panose="020B0502020104020203"/>
+              </a:defRPr>
+            </a:lvl5pPr>
+          </a:lstStyle>
+          <a:p>
+            <a:pPr lvl="0"/>
+            <a:r>
+              <a:rPr lang="en-US" dirty="0"/>
+              <a:t>Click to edit Master text styles</a:t>
+            </a:r>
+          </a:p>
+          <a:p>
+            <a:pPr lvl="1"/>
+            <a:r>
+              <a:rPr lang="en-US" dirty="0"/>
+              <a:t>Second level</a:t>
+            </a:r>
+          </a:p>
+          <a:p>
+            <a:pPr lvl="2"/>
+            <a:r>
+              <a:rPr lang="en-US" dirty="0"/>
+              <a:t>Third level</a:t>
+            </a:r>
+          </a:p>
+          <a:p>
+            <a:pPr lvl="3"/>
+            <a:r>
+              <a:rPr lang="en-US" dirty="0"/>
+              <a:t>Fourth level</a:t>
+            </a:r>
+          </a:p>
+          <a:p>
+            <a:pPr lvl="4"/>
+            <a:r>
+              <a:rPr lang="en-US" dirty="0"/>
+              <a:t>Fifth level</a:t>
+            </a:r>
+          </a:p>
+        </p:txBody>
+      </p:sp>
+    </p:spTree>
+    <p:extLst>
+      <p:ext uri="{BB962C8B-B14F-4D97-AF65-F5344CB8AC3E}">
+        <p14:creationId xmlns:p14="http://schemas.microsoft.com/office/powerpoint/2010/main" val="543669501"/>
+      </p:ext>
+    </p:extLst>
+  </p:cSld>
+  <p:clrMapOvr>
+    <a:masterClrMapping/>
+  </p:clrMapOvr>
+  <p:transition/>
+</p:sldLayout>
+</file>
+
 <file path=ppt/slideMasters/slideMaster1.xml><?xml version="1.0" encoding="utf-8"?>
 <p:sldMaster xmlns:a="http://schemas.openxmlformats.org/drawingml/2006/main" xmlns:r="http://schemas.openxmlformats.org/officeDocument/2006/relationships" xmlns:p="http://schemas.openxmlformats.org/presentationml/2006/main">
   <p:cSld>
@@ -7347,6 +7609,7 @@
     <p:sldLayoutId id="2147483658" r:id="rId4"/>
     <p:sldLayoutId id="2147483664" r:id="rId5"/>
     <p:sldLayoutId id="2147483665" r:id="rId6"/>
+    <p:sldLayoutId id="2147483666" r:id="rId7"/>
   </p:sldLayoutIdLst>
   <p:hf sldNum="0" hdr="0" ftr="0" dt="0"/>
   <p:txStyles>
@@ -9677,7 +9940,7 @@
           <p:nvPr/>
         </p:nvPicPr>
         <p:blipFill>
-          <a:blip r:embed="rId2">
+          <a:blip r:embed="rId3">
             <a:extLst>
               <a:ext uri="{28A0092B-C50C-407E-A947-70E740481C1C}">
                 <a14:useLocalDpi xmlns:a14="http://schemas.microsoft.com/office/drawing/2010/main" val="0"/>
@@ -11615,6 +11878,3198 @@
 </p:sld>
 </file>
 
+<file path=ppt/slides/slide6.xml><?xml version="1.0" encoding="utf-8"?>
+<p:sld xmlns:a="http://schemas.openxmlformats.org/drawingml/2006/main" xmlns:r="http://schemas.openxmlformats.org/officeDocument/2006/relationships" xmlns:p="http://schemas.openxmlformats.org/presentationml/2006/main">
+  <p:cSld>
+    <p:spTree>
+      <p:nvGrpSpPr>
+        <p:cNvPr id="1" name=""/>
+        <p:cNvGrpSpPr/>
+        <p:nvPr/>
+      </p:nvGrpSpPr>
+      <p:grpSpPr>
+        <a:xfrm>
+          <a:off x="0" y="0"/>
+          <a:ext cx="0" cy="0"/>
+          <a:chOff x="0" y="0"/>
+          <a:chExt cx="0" cy="0"/>
+        </a:xfrm>
+      </p:grpSpPr>
+      <p:sp>
+        <p:nvSpPr>
+          <p:cNvPr id="2" name="Title 1">
+            <a:extLst>
+              <a:ext uri="{FF2B5EF4-FFF2-40B4-BE49-F238E27FC236}">
+                <a16:creationId xmlns:a16="http://schemas.microsoft.com/office/drawing/2014/main" id="{D17A716B-5B74-B0E4-C7AB-F1B82F0490A7}"/>
+              </a:ext>
+            </a:extLst>
+          </p:cNvPr>
+          <p:cNvSpPr>
+            <a:spLocks noGrp="1"/>
+          </p:cNvSpPr>
+          <p:nvPr>
+            <p:ph type="title"/>
+          </p:nvPr>
+        </p:nvSpPr>
+        <p:spPr/>
+        <p:txBody>
+          <a:bodyPr/>
+          <a:lstStyle/>
+          <a:p>
+            <a:r>
+              <a:rPr lang="en-GB" dirty="0"/>
+              <a:t>Q. Quick Sort</a:t>
+            </a:r>
+            <a:endParaRPr lang="en-SE" dirty="0"/>
+          </a:p>
+        </p:txBody>
+      </p:sp>
+      <p:sp>
+        <p:nvSpPr>
+          <p:cNvPr id="3" name="Content Placeholder 2">
+            <a:extLst>
+              <a:ext uri="{FF2B5EF4-FFF2-40B4-BE49-F238E27FC236}">
+                <a16:creationId xmlns:a16="http://schemas.microsoft.com/office/drawing/2014/main" id="{B44A3BA7-4090-BBC5-3EE9-425E89AA1FA0}"/>
+              </a:ext>
+            </a:extLst>
+          </p:cNvPr>
+          <p:cNvSpPr>
+            <a:spLocks noGrp="1"/>
+          </p:cNvSpPr>
+          <p:nvPr>
+            <p:ph idx="1"/>
+          </p:nvPr>
+        </p:nvSpPr>
+        <p:spPr>
+          <a:xfrm>
+            <a:off x="502500" y="1346054"/>
+            <a:ext cx="11187000" cy="5248670"/>
+          </a:xfrm>
+        </p:spPr>
+        <p:txBody>
+          <a:bodyPr>
+            <a:normAutofit/>
+          </a:bodyPr>
+          <a:lstStyle/>
+          <a:p>
+            <a:r>
+              <a:rPr lang="en-GB" dirty="0"/>
+              <a:t>Sort this array of numbers with In-Place </a:t>
+            </a:r>
+            <a:r>
+              <a:rPr lang="en-GB" dirty="0" err="1"/>
+              <a:t>QuickSort</a:t>
+            </a:r>
+            <a:r>
+              <a:rPr lang="en-GB" dirty="0"/>
+              <a:t> into ascending order, using the first number of each subarray as the pivot. Show the intermediate subarrays at each step, enclosing the pivot at each step with parentheses. Draw the corresponding Binary Search Tree and give the final sorted array.</a:t>
+            </a:r>
+          </a:p>
+          <a:p>
+            <a:r>
+              <a:rPr lang="en-GB" dirty="0"/>
+              <a:t>5, 4, 3, 2, 1, 0</a:t>
+            </a:r>
+          </a:p>
+          <a:p>
+            <a:endParaRPr lang="en-SE" dirty="0"/>
+          </a:p>
+        </p:txBody>
+      </p:sp>
+    </p:spTree>
+    <p:extLst>
+      <p:ext uri="{BB962C8B-B14F-4D97-AF65-F5344CB8AC3E}">
+        <p14:creationId xmlns:p14="http://schemas.microsoft.com/office/powerpoint/2010/main" val="324089945"/>
+      </p:ext>
+    </p:extLst>
+  </p:cSld>
+  <p:clrMapOvr>
+    <a:masterClrMapping/>
+  </p:clrMapOvr>
+  <p:transition/>
+</p:sld>
+</file>
+
+<file path=ppt/slides/slide7.xml><?xml version="1.0" encoding="utf-8"?>
+<p:sld xmlns:a="http://schemas.openxmlformats.org/drawingml/2006/main" xmlns:r="http://schemas.openxmlformats.org/officeDocument/2006/relationships" xmlns:p="http://schemas.openxmlformats.org/presentationml/2006/main">
+  <p:cSld>
+    <p:spTree>
+      <p:nvGrpSpPr>
+        <p:cNvPr id="1" name=""/>
+        <p:cNvGrpSpPr/>
+        <p:nvPr/>
+      </p:nvGrpSpPr>
+      <p:grpSpPr>
+        <a:xfrm>
+          <a:off x="0" y="0"/>
+          <a:ext cx="0" cy="0"/>
+          <a:chOff x="0" y="0"/>
+          <a:chExt cx="0" cy="0"/>
+        </a:xfrm>
+      </p:grpSpPr>
+      <p:sp>
+        <p:nvSpPr>
+          <p:cNvPr id="2" name="Title 1">
+            <a:extLst>
+              <a:ext uri="{FF2B5EF4-FFF2-40B4-BE49-F238E27FC236}">
+                <a16:creationId xmlns:a16="http://schemas.microsoft.com/office/drawing/2014/main" id="{450F0E9D-A27F-15C2-3343-A18B3C8AC0C9}"/>
+              </a:ext>
+            </a:extLst>
+          </p:cNvPr>
+          <p:cNvSpPr>
+            <a:spLocks noGrp="1"/>
+          </p:cNvSpPr>
+          <p:nvPr>
+            <p:ph type="title"/>
+          </p:nvPr>
+        </p:nvSpPr>
+        <p:spPr/>
+        <p:txBody>
+          <a:bodyPr/>
+          <a:lstStyle/>
+          <a:p>
+            <a:r>
+              <a:rPr lang="en-GB" dirty="0"/>
+              <a:t>Q. Quick Sort ANS</a:t>
+            </a:r>
+            <a:endParaRPr lang="en-SE" dirty="0"/>
+          </a:p>
+        </p:txBody>
+      </p:sp>
+      <p:graphicFrame>
+        <p:nvGraphicFramePr>
+          <p:cNvPr id="4" name="Content Placeholder 3">
+            <a:extLst>
+              <a:ext uri="{FF2B5EF4-FFF2-40B4-BE49-F238E27FC236}">
+                <a16:creationId xmlns:a16="http://schemas.microsoft.com/office/drawing/2014/main" id="{FE6BED60-F4BB-ACFD-2DD4-BE28606D2B38}"/>
+              </a:ext>
+            </a:extLst>
+          </p:cNvPr>
+          <p:cNvGraphicFramePr>
+            <a:graphicFrameLocks noGrp="1"/>
+          </p:cNvGraphicFramePr>
+          <p:nvPr>
+            <p:ph idx="1"/>
+            <p:extLst>
+              <p:ext uri="{D42A27DB-BD31-4B8C-83A1-F6EECF244321}">
+                <p14:modId xmlns:p14="http://schemas.microsoft.com/office/powerpoint/2010/main" val="2485217215"/>
+              </p:ext>
+            </p:extLst>
+          </p:nvPr>
+        </p:nvGraphicFramePr>
+        <p:xfrm>
+          <a:off x="881910" y="3004377"/>
+          <a:ext cx="4397826" cy="457200"/>
+        </p:xfrm>
+        <a:graphic>
+          <a:graphicData uri="http://schemas.openxmlformats.org/drawingml/2006/table">
+            <a:tbl>
+              <a:tblPr firstRow="1" bandRow="1">
+                <a:tableStyleId>{5940675A-B579-460E-94D1-54222C63F5DA}</a:tableStyleId>
+              </a:tblPr>
+              <a:tblGrid>
+                <a:gridCol w="732971">
+                  <a:extLst>
+                    <a:ext uri="{9D8B030D-6E8A-4147-A177-3AD203B41FA5}">
+                      <a16:colId xmlns:a16="http://schemas.microsoft.com/office/drawing/2014/main" val="1092347686"/>
+                    </a:ext>
+                  </a:extLst>
+                </a:gridCol>
+                <a:gridCol w="732971">
+                  <a:extLst>
+                    <a:ext uri="{9D8B030D-6E8A-4147-A177-3AD203B41FA5}">
+                      <a16:colId xmlns:a16="http://schemas.microsoft.com/office/drawing/2014/main" val="3808001989"/>
+                    </a:ext>
+                  </a:extLst>
+                </a:gridCol>
+                <a:gridCol w="732971">
+                  <a:extLst>
+                    <a:ext uri="{9D8B030D-6E8A-4147-A177-3AD203B41FA5}">
+                      <a16:colId xmlns:a16="http://schemas.microsoft.com/office/drawing/2014/main" val="1745240979"/>
+                    </a:ext>
+                  </a:extLst>
+                </a:gridCol>
+                <a:gridCol w="732971">
+                  <a:extLst>
+                    <a:ext uri="{9D8B030D-6E8A-4147-A177-3AD203B41FA5}">
+                      <a16:colId xmlns:a16="http://schemas.microsoft.com/office/drawing/2014/main" val="830981527"/>
+                    </a:ext>
+                  </a:extLst>
+                </a:gridCol>
+                <a:gridCol w="732971">
+                  <a:extLst>
+                    <a:ext uri="{9D8B030D-6E8A-4147-A177-3AD203B41FA5}">
+                      <a16:colId xmlns:a16="http://schemas.microsoft.com/office/drawing/2014/main" val="323891662"/>
+                    </a:ext>
+                  </a:extLst>
+                </a:gridCol>
+                <a:gridCol w="732971">
+                  <a:extLst>
+                    <a:ext uri="{9D8B030D-6E8A-4147-A177-3AD203B41FA5}">
+                      <a16:colId xmlns:a16="http://schemas.microsoft.com/office/drawing/2014/main" val="3598847113"/>
+                    </a:ext>
+                  </a:extLst>
+                </a:gridCol>
+              </a:tblGrid>
+              <a:tr h="457200">
+                <a:tc>
+                  <a:txBody>
+                    <a:bodyPr/>
+                    <a:lstStyle/>
+                    <a:p>
+                      <a:pPr algn="ctr"/>
+                      <a:r>
+                        <a:rPr lang="en-US" sz="2000" dirty="0">
+                          <a:solidFill>
+                            <a:schemeClr val="tx1"/>
+                          </a:solidFill>
+                        </a:rPr>
+                        <a:t>5</a:t>
+                      </a:r>
+                      <a:endParaRPr lang="en-SE" sz="2000" dirty="0">
+                        <a:solidFill>
+                          <a:schemeClr val="tx1"/>
+                        </a:solidFill>
+                      </a:endParaRPr>
+                    </a:p>
+                  </a:txBody>
+                  <a:tcPr anchor="ctr"/>
+                </a:tc>
+                <a:tc>
+                  <a:txBody>
+                    <a:bodyPr/>
+                    <a:lstStyle/>
+                    <a:p>
+                      <a:pPr algn="ctr"/>
+                      <a:r>
+                        <a:rPr lang="en-US" sz="2000" dirty="0"/>
+                        <a:t>4</a:t>
+                      </a:r>
+                      <a:endParaRPr lang="en-SE" sz="2000" dirty="0"/>
+                    </a:p>
+                  </a:txBody>
+                  <a:tcPr anchor="ctr"/>
+                </a:tc>
+                <a:tc>
+                  <a:txBody>
+                    <a:bodyPr/>
+                    <a:lstStyle/>
+                    <a:p>
+                      <a:pPr algn="ctr"/>
+                      <a:r>
+                        <a:rPr lang="en-US" sz="2000" dirty="0"/>
+                        <a:t>3</a:t>
+                      </a:r>
+                      <a:endParaRPr lang="en-SE" sz="2000" dirty="0"/>
+                    </a:p>
+                  </a:txBody>
+                  <a:tcPr anchor="ctr"/>
+                </a:tc>
+                <a:tc>
+                  <a:txBody>
+                    <a:bodyPr/>
+                    <a:lstStyle/>
+                    <a:p>
+                      <a:pPr algn="ctr"/>
+                      <a:r>
+                        <a:rPr lang="en-US" sz="2000" dirty="0"/>
+                        <a:t>2</a:t>
+                      </a:r>
+                      <a:endParaRPr lang="en-SE" sz="2000" dirty="0"/>
+                    </a:p>
+                  </a:txBody>
+                  <a:tcPr anchor="ctr"/>
+                </a:tc>
+                <a:tc>
+                  <a:txBody>
+                    <a:bodyPr/>
+                    <a:lstStyle/>
+                    <a:p>
+                      <a:pPr algn="ctr"/>
+                      <a:r>
+                        <a:rPr lang="en-US" sz="2000" dirty="0"/>
+                        <a:t>1</a:t>
+                      </a:r>
+                      <a:endParaRPr lang="en-SE" sz="2000" dirty="0"/>
+                    </a:p>
+                  </a:txBody>
+                  <a:tcPr anchor="ctr"/>
+                </a:tc>
+                <a:tc>
+                  <a:txBody>
+                    <a:bodyPr/>
+                    <a:lstStyle/>
+                    <a:p>
+                      <a:pPr algn="ctr"/>
+                      <a:r>
+                        <a:rPr lang="en-US" sz="2000" dirty="0"/>
+                        <a:t>0</a:t>
+                      </a:r>
+                      <a:endParaRPr lang="en-SE" sz="2000" dirty="0"/>
+                    </a:p>
+                  </a:txBody>
+                  <a:tcPr anchor="ctr"/>
+                </a:tc>
+                <a:extLst>
+                  <a:ext uri="{0D108BD9-81ED-4DB2-BD59-A6C34878D82A}">
+                    <a16:rowId xmlns:a16="http://schemas.microsoft.com/office/drawing/2014/main" val="3643504535"/>
+                  </a:ext>
+                </a:extLst>
+              </a:tr>
+            </a:tbl>
+          </a:graphicData>
+        </a:graphic>
+      </p:graphicFrame>
+      <p:graphicFrame>
+        <p:nvGraphicFramePr>
+          <p:cNvPr id="7" name="Content Placeholder 3">
+            <a:extLst>
+              <a:ext uri="{FF2B5EF4-FFF2-40B4-BE49-F238E27FC236}">
+                <a16:creationId xmlns:a16="http://schemas.microsoft.com/office/drawing/2014/main" id="{31C672EB-0E7A-B91F-6BA8-593320442B24}"/>
+              </a:ext>
+            </a:extLst>
+          </p:cNvPr>
+          <p:cNvGraphicFramePr>
+            <a:graphicFrameLocks/>
+          </p:cNvGraphicFramePr>
+          <p:nvPr>
+            <p:extLst>
+              <p:ext uri="{D42A27DB-BD31-4B8C-83A1-F6EECF244321}">
+                <p14:modId xmlns:p14="http://schemas.microsoft.com/office/powerpoint/2010/main" val="106207007"/>
+              </p:ext>
+            </p:extLst>
+          </p:nvPr>
+        </p:nvGraphicFramePr>
+        <p:xfrm>
+          <a:off x="7130310" y="3019617"/>
+          <a:ext cx="4397826" cy="457200"/>
+        </p:xfrm>
+        <a:graphic>
+          <a:graphicData uri="http://schemas.openxmlformats.org/drawingml/2006/table">
+            <a:tbl>
+              <a:tblPr firstRow="1" bandRow="1">
+                <a:tableStyleId>{5940675A-B579-460E-94D1-54222C63F5DA}</a:tableStyleId>
+              </a:tblPr>
+              <a:tblGrid>
+                <a:gridCol w="732971">
+                  <a:extLst>
+                    <a:ext uri="{9D8B030D-6E8A-4147-A177-3AD203B41FA5}">
+                      <a16:colId xmlns:a16="http://schemas.microsoft.com/office/drawing/2014/main" val="1092347686"/>
+                    </a:ext>
+                  </a:extLst>
+                </a:gridCol>
+                <a:gridCol w="732971">
+                  <a:extLst>
+                    <a:ext uri="{9D8B030D-6E8A-4147-A177-3AD203B41FA5}">
+                      <a16:colId xmlns:a16="http://schemas.microsoft.com/office/drawing/2014/main" val="3808001989"/>
+                    </a:ext>
+                  </a:extLst>
+                </a:gridCol>
+                <a:gridCol w="732971">
+                  <a:extLst>
+                    <a:ext uri="{9D8B030D-6E8A-4147-A177-3AD203B41FA5}">
+                      <a16:colId xmlns:a16="http://schemas.microsoft.com/office/drawing/2014/main" val="1745240979"/>
+                    </a:ext>
+                  </a:extLst>
+                </a:gridCol>
+                <a:gridCol w="732971">
+                  <a:extLst>
+                    <a:ext uri="{9D8B030D-6E8A-4147-A177-3AD203B41FA5}">
+                      <a16:colId xmlns:a16="http://schemas.microsoft.com/office/drawing/2014/main" val="830981527"/>
+                    </a:ext>
+                  </a:extLst>
+                </a:gridCol>
+                <a:gridCol w="732971">
+                  <a:extLst>
+                    <a:ext uri="{9D8B030D-6E8A-4147-A177-3AD203B41FA5}">
+                      <a16:colId xmlns:a16="http://schemas.microsoft.com/office/drawing/2014/main" val="323891662"/>
+                    </a:ext>
+                  </a:extLst>
+                </a:gridCol>
+                <a:gridCol w="732971">
+                  <a:extLst>
+                    <a:ext uri="{9D8B030D-6E8A-4147-A177-3AD203B41FA5}">
+                      <a16:colId xmlns:a16="http://schemas.microsoft.com/office/drawing/2014/main" val="3598847113"/>
+                    </a:ext>
+                  </a:extLst>
+                </a:gridCol>
+              </a:tblGrid>
+              <a:tr h="457200">
+                <a:tc>
+                  <a:txBody>
+                    <a:bodyPr/>
+                    <a:lstStyle/>
+                    <a:p>
+                      <a:pPr algn="ctr"/>
+                      <a:r>
+                        <a:rPr lang="en-US" sz="2000" dirty="0">
+                          <a:solidFill>
+                            <a:srgbClr val="FF0000"/>
+                          </a:solidFill>
+                        </a:rPr>
+                        <a:t>0</a:t>
+                      </a:r>
+                      <a:endParaRPr lang="en-SE" sz="2000" dirty="0">
+                        <a:solidFill>
+                          <a:srgbClr val="FF0000"/>
+                        </a:solidFill>
+                      </a:endParaRPr>
+                    </a:p>
+                  </a:txBody>
+                  <a:tcPr anchor="ctr"/>
+                </a:tc>
+                <a:tc>
+                  <a:txBody>
+                    <a:bodyPr/>
+                    <a:lstStyle/>
+                    <a:p>
+                      <a:pPr algn="ctr"/>
+                      <a:r>
+                        <a:rPr lang="en-US" sz="2000" dirty="0">
+                          <a:solidFill>
+                            <a:srgbClr val="FF0000"/>
+                          </a:solidFill>
+                        </a:rPr>
+                        <a:t>4</a:t>
+                      </a:r>
+                      <a:endParaRPr lang="en-SE" sz="2000" dirty="0">
+                        <a:solidFill>
+                          <a:srgbClr val="FF0000"/>
+                        </a:solidFill>
+                      </a:endParaRPr>
+                    </a:p>
+                  </a:txBody>
+                  <a:tcPr anchor="ctr"/>
+                </a:tc>
+                <a:tc>
+                  <a:txBody>
+                    <a:bodyPr/>
+                    <a:lstStyle/>
+                    <a:p>
+                      <a:pPr algn="ctr"/>
+                      <a:r>
+                        <a:rPr lang="en-US" sz="2000" dirty="0">
+                          <a:solidFill>
+                            <a:srgbClr val="FF0000"/>
+                          </a:solidFill>
+                        </a:rPr>
+                        <a:t>3</a:t>
+                      </a:r>
+                      <a:endParaRPr lang="en-SE" sz="2000" dirty="0">
+                        <a:solidFill>
+                          <a:srgbClr val="FF0000"/>
+                        </a:solidFill>
+                      </a:endParaRPr>
+                    </a:p>
+                  </a:txBody>
+                  <a:tcPr anchor="ctr"/>
+                </a:tc>
+                <a:tc>
+                  <a:txBody>
+                    <a:bodyPr/>
+                    <a:lstStyle/>
+                    <a:p>
+                      <a:pPr algn="ctr"/>
+                      <a:r>
+                        <a:rPr lang="en-US" sz="2000" dirty="0">
+                          <a:solidFill>
+                            <a:srgbClr val="FF0000"/>
+                          </a:solidFill>
+                        </a:rPr>
+                        <a:t>2</a:t>
+                      </a:r>
+                      <a:endParaRPr lang="en-SE" sz="2000" dirty="0">
+                        <a:solidFill>
+                          <a:srgbClr val="FF0000"/>
+                        </a:solidFill>
+                      </a:endParaRPr>
+                    </a:p>
+                  </a:txBody>
+                  <a:tcPr anchor="ctr"/>
+                </a:tc>
+                <a:tc>
+                  <a:txBody>
+                    <a:bodyPr/>
+                    <a:lstStyle/>
+                    <a:p>
+                      <a:pPr algn="ctr"/>
+                      <a:r>
+                        <a:rPr lang="en-US" sz="2000" dirty="0">
+                          <a:solidFill>
+                            <a:srgbClr val="FF0000"/>
+                          </a:solidFill>
+                        </a:rPr>
+                        <a:t>1</a:t>
+                      </a:r>
+                      <a:endParaRPr lang="en-SE" sz="2000" dirty="0">
+                        <a:solidFill>
+                          <a:srgbClr val="FF0000"/>
+                        </a:solidFill>
+                      </a:endParaRPr>
+                    </a:p>
+                  </a:txBody>
+                  <a:tcPr anchor="ctr"/>
+                </a:tc>
+                <a:tc>
+                  <a:txBody>
+                    <a:bodyPr/>
+                    <a:lstStyle/>
+                    <a:p>
+                      <a:pPr algn="ctr"/>
+                      <a:r>
+                        <a:rPr lang="en-US" sz="2000" dirty="0"/>
+                        <a:t>5</a:t>
+                      </a:r>
+                      <a:endParaRPr lang="en-SE" sz="2000" dirty="0"/>
+                    </a:p>
+                  </a:txBody>
+                  <a:tcPr anchor="ctr"/>
+                </a:tc>
+                <a:extLst>
+                  <a:ext uri="{0D108BD9-81ED-4DB2-BD59-A6C34878D82A}">
+                    <a16:rowId xmlns:a16="http://schemas.microsoft.com/office/drawing/2014/main" val="3643504535"/>
+                  </a:ext>
+                </a:extLst>
+              </a:tr>
+            </a:tbl>
+          </a:graphicData>
+        </a:graphic>
+      </p:graphicFrame>
+      <p:cxnSp>
+        <p:nvCxnSpPr>
+          <p:cNvPr id="8" name="Straight Arrow Connector 7">
+            <a:extLst>
+              <a:ext uri="{FF2B5EF4-FFF2-40B4-BE49-F238E27FC236}">
+                <a16:creationId xmlns:a16="http://schemas.microsoft.com/office/drawing/2014/main" id="{0C7E5A9A-C6A4-9217-9BF3-0384FCA540DA}"/>
+              </a:ext>
+            </a:extLst>
+          </p:cNvPr>
+          <p:cNvCxnSpPr>
+            <a:cxnSpLocks/>
+          </p:cNvCxnSpPr>
+          <p:nvPr/>
+        </p:nvCxnSpPr>
+        <p:spPr bwMode="auto">
+          <a:xfrm>
+            <a:off x="5700101" y="3206625"/>
+            <a:ext cx="1150336" cy="0"/>
+          </a:xfrm>
+          <a:prstGeom prst="straightConnector1">
+            <a:avLst/>
+          </a:prstGeom>
+          <a:solidFill>
+            <a:schemeClr val="bg1"/>
+          </a:solidFill>
+          <a:ln w="28575" cap="flat" cmpd="sng" algn="ctr">
+            <a:solidFill>
+              <a:schemeClr val="tx1"/>
+            </a:solidFill>
+            <a:prstDash val="solid"/>
+            <a:round/>
+            <a:headEnd type="none" w="med" len="med"/>
+            <a:tailEnd type="arrow" w="med" len="med"/>
+          </a:ln>
+          <a:effectLst/>
+          <a:extLst>
+            <a:ext uri="{AF507438-7753-43e0-B8FC-AC1667EBCBE1}">
+              <a14:hiddenEffects xmlns="" xmlns:a14="http://schemas.microsoft.com/office/drawing/2010/main">
+                <a:effectLst>
+                  <a:outerShdw dist="35921" dir="2700000" algn="ctr" rotWithShape="0">
+                    <a:schemeClr val="bg2"/>
+                  </a:outerShdw>
+                </a:effectLst>
+              </a14:hiddenEffects>
+            </a:ext>
+          </a:extLst>
+        </p:spPr>
+      </p:cxnSp>
+      <p:sp>
+        <p:nvSpPr>
+          <p:cNvPr id="9" name="TextBox 8">
+            <a:extLst>
+              <a:ext uri="{FF2B5EF4-FFF2-40B4-BE49-F238E27FC236}">
+                <a16:creationId xmlns:a16="http://schemas.microsoft.com/office/drawing/2014/main" id="{C8302BEC-3DC4-2DB0-832D-C58976FAE01A}"/>
+              </a:ext>
+            </a:extLst>
+          </p:cNvPr>
+          <p:cNvSpPr txBox="1"/>
+          <p:nvPr/>
+        </p:nvSpPr>
+        <p:spPr>
+          <a:xfrm>
+            <a:off x="5606311" y="2843325"/>
+            <a:ext cx="1189846" cy="338554"/>
+          </a:xfrm>
+          <a:prstGeom prst="rect">
+            <a:avLst/>
+          </a:prstGeom>
+          <a:noFill/>
+        </p:spPr>
+        <p:txBody>
+          <a:bodyPr wrap="square">
+            <a:spAutoFit/>
+          </a:bodyPr>
+          <a:lstStyle/>
+          <a:p>
+            <a:r>
+              <a:rPr lang="en-GB" sz="1600" b="0" dirty="0">
+                <a:latin typeface="Arial" panose="020B0604020202020204" pitchFamily="34" charset="0"/>
+                <a:cs typeface="Arial" panose="020B0604020202020204" pitchFamily="34" charset="0"/>
+              </a:rPr>
+              <a:t>5 as pivot</a:t>
+            </a:r>
+            <a:endParaRPr lang="en-SE" sz="1600" b="0" dirty="0">
+              <a:latin typeface="Arial" panose="020B0604020202020204" pitchFamily="34" charset="0"/>
+              <a:cs typeface="Arial" panose="020B0604020202020204" pitchFamily="34" charset="0"/>
+            </a:endParaRPr>
+          </a:p>
+        </p:txBody>
+      </p:sp>
+      <p:graphicFrame>
+        <p:nvGraphicFramePr>
+          <p:cNvPr id="12" name="Content Placeholder 3">
+            <a:extLst>
+              <a:ext uri="{FF2B5EF4-FFF2-40B4-BE49-F238E27FC236}">
+                <a16:creationId xmlns:a16="http://schemas.microsoft.com/office/drawing/2014/main" id="{5828FAC0-9A50-75D8-EEE3-36D36942F5E1}"/>
+              </a:ext>
+            </a:extLst>
+          </p:cNvPr>
+          <p:cNvGraphicFramePr>
+            <a:graphicFrameLocks/>
+          </p:cNvGraphicFramePr>
+          <p:nvPr>
+            <p:extLst>
+              <p:ext uri="{D42A27DB-BD31-4B8C-83A1-F6EECF244321}">
+                <p14:modId xmlns:p14="http://schemas.microsoft.com/office/powerpoint/2010/main" val="1943783050"/>
+              </p:ext>
+            </p:extLst>
+          </p:nvPr>
+        </p:nvGraphicFramePr>
+        <p:xfrm>
+          <a:off x="1450020" y="3840117"/>
+          <a:ext cx="4397826" cy="457200"/>
+        </p:xfrm>
+        <a:graphic>
+          <a:graphicData uri="http://schemas.openxmlformats.org/drawingml/2006/table">
+            <a:tbl>
+              <a:tblPr firstRow="1" bandRow="1">
+                <a:tableStyleId>{5940675A-B579-460E-94D1-54222C63F5DA}</a:tableStyleId>
+              </a:tblPr>
+              <a:tblGrid>
+                <a:gridCol w="732971">
+                  <a:extLst>
+                    <a:ext uri="{9D8B030D-6E8A-4147-A177-3AD203B41FA5}">
+                      <a16:colId xmlns:a16="http://schemas.microsoft.com/office/drawing/2014/main" val="1092347686"/>
+                    </a:ext>
+                  </a:extLst>
+                </a:gridCol>
+                <a:gridCol w="732971">
+                  <a:extLst>
+                    <a:ext uri="{9D8B030D-6E8A-4147-A177-3AD203B41FA5}">
+                      <a16:colId xmlns:a16="http://schemas.microsoft.com/office/drawing/2014/main" val="3808001989"/>
+                    </a:ext>
+                  </a:extLst>
+                </a:gridCol>
+                <a:gridCol w="732971">
+                  <a:extLst>
+                    <a:ext uri="{9D8B030D-6E8A-4147-A177-3AD203B41FA5}">
+                      <a16:colId xmlns:a16="http://schemas.microsoft.com/office/drawing/2014/main" val="1745240979"/>
+                    </a:ext>
+                  </a:extLst>
+                </a:gridCol>
+                <a:gridCol w="732971">
+                  <a:extLst>
+                    <a:ext uri="{9D8B030D-6E8A-4147-A177-3AD203B41FA5}">
+                      <a16:colId xmlns:a16="http://schemas.microsoft.com/office/drawing/2014/main" val="830981527"/>
+                    </a:ext>
+                  </a:extLst>
+                </a:gridCol>
+                <a:gridCol w="732971">
+                  <a:extLst>
+                    <a:ext uri="{9D8B030D-6E8A-4147-A177-3AD203B41FA5}">
+                      <a16:colId xmlns:a16="http://schemas.microsoft.com/office/drawing/2014/main" val="323891662"/>
+                    </a:ext>
+                  </a:extLst>
+                </a:gridCol>
+                <a:gridCol w="732971">
+                  <a:extLst>
+                    <a:ext uri="{9D8B030D-6E8A-4147-A177-3AD203B41FA5}">
+                      <a16:colId xmlns:a16="http://schemas.microsoft.com/office/drawing/2014/main" val="3598847113"/>
+                    </a:ext>
+                  </a:extLst>
+                </a:gridCol>
+              </a:tblGrid>
+              <a:tr h="457200">
+                <a:tc>
+                  <a:txBody>
+                    <a:bodyPr/>
+                    <a:lstStyle/>
+                    <a:p>
+                      <a:pPr algn="ctr"/>
+                      <a:r>
+                        <a:rPr lang="en-US" sz="2000" dirty="0">
+                          <a:solidFill>
+                            <a:schemeClr val="tx1"/>
+                          </a:solidFill>
+                        </a:rPr>
+                        <a:t>0</a:t>
+                      </a:r>
+                      <a:endParaRPr lang="en-SE" sz="2000" dirty="0">
+                        <a:solidFill>
+                          <a:schemeClr val="tx1"/>
+                        </a:solidFill>
+                      </a:endParaRPr>
+                    </a:p>
+                  </a:txBody>
+                  <a:tcPr anchor="ctr"/>
+                </a:tc>
+                <a:tc>
+                  <a:txBody>
+                    <a:bodyPr/>
+                    <a:lstStyle/>
+                    <a:p>
+                      <a:pPr algn="ctr"/>
+                      <a:r>
+                        <a:rPr lang="en-US" sz="2000" dirty="0">
+                          <a:solidFill>
+                            <a:srgbClr val="FF0000"/>
+                          </a:solidFill>
+                        </a:rPr>
+                        <a:t>4</a:t>
+                      </a:r>
+                      <a:endParaRPr lang="en-SE" sz="2000" dirty="0">
+                        <a:solidFill>
+                          <a:srgbClr val="FF0000"/>
+                        </a:solidFill>
+                      </a:endParaRPr>
+                    </a:p>
+                  </a:txBody>
+                  <a:tcPr anchor="ctr"/>
+                </a:tc>
+                <a:tc>
+                  <a:txBody>
+                    <a:bodyPr/>
+                    <a:lstStyle/>
+                    <a:p>
+                      <a:pPr algn="ctr"/>
+                      <a:r>
+                        <a:rPr lang="en-US" sz="2000" dirty="0">
+                          <a:solidFill>
+                            <a:srgbClr val="FF0000"/>
+                          </a:solidFill>
+                        </a:rPr>
+                        <a:t>3</a:t>
+                      </a:r>
+                      <a:endParaRPr lang="en-SE" sz="2000" dirty="0">
+                        <a:solidFill>
+                          <a:srgbClr val="FF0000"/>
+                        </a:solidFill>
+                      </a:endParaRPr>
+                    </a:p>
+                  </a:txBody>
+                  <a:tcPr anchor="ctr"/>
+                </a:tc>
+                <a:tc>
+                  <a:txBody>
+                    <a:bodyPr/>
+                    <a:lstStyle/>
+                    <a:p>
+                      <a:pPr algn="ctr"/>
+                      <a:r>
+                        <a:rPr lang="en-US" sz="2000" dirty="0">
+                          <a:solidFill>
+                            <a:srgbClr val="FF0000"/>
+                          </a:solidFill>
+                        </a:rPr>
+                        <a:t>2</a:t>
+                      </a:r>
+                      <a:endParaRPr lang="en-SE" sz="2000" dirty="0">
+                        <a:solidFill>
+                          <a:srgbClr val="FF0000"/>
+                        </a:solidFill>
+                      </a:endParaRPr>
+                    </a:p>
+                  </a:txBody>
+                  <a:tcPr anchor="ctr"/>
+                </a:tc>
+                <a:tc>
+                  <a:txBody>
+                    <a:bodyPr/>
+                    <a:lstStyle/>
+                    <a:p>
+                      <a:pPr algn="ctr"/>
+                      <a:r>
+                        <a:rPr lang="en-US" sz="2000" dirty="0">
+                          <a:solidFill>
+                            <a:srgbClr val="FF0000"/>
+                          </a:solidFill>
+                        </a:rPr>
+                        <a:t>1</a:t>
+                      </a:r>
+                      <a:endParaRPr lang="en-SE" sz="2000" dirty="0">
+                        <a:solidFill>
+                          <a:srgbClr val="FF0000"/>
+                        </a:solidFill>
+                      </a:endParaRPr>
+                    </a:p>
+                  </a:txBody>
+                  <a:tcPr anchor="ctr"/>
+                </a:tc>
+                <a:tc>
+                  <a:txBody>
+                    <a:bodyPr/>
+                    <a:lstStyle/>
+                    <a:p>
+                      <a:pPr algn="ctr"/>
+                      <a:r>
+                        <a:rPr lang="en-US" sz="2000" dirty="0"/>
+                        <a:t>5</a:t>
+                      </a:r>
+                      <a:endParaRPr lang="en-SE" sz="2000" dirty="0"/>
+                    </a:p>
+                  </a:txBody>
+                  <a:tcPr anchor="ctr"/>
+                </a:tc>
+                <a:extLst>
+                  <a:ext uri="{0D108BD9-81ED-4DB2-BD59-A6C34878D82A}">
+                    <a16:rowId xmlns:a16="http://schemas.microsoft.com/office/drawing/2014/main" val="3643504535"/>
+                  </a:ext>
+                </a:extLst>
+              </a:tr>
+            </a:tbl>
+          </a:graphicData>
+        </a:graphic>
+      </p:graphicFrame>
+      <p:cxnSp>
+        <p:nvCxnSpPr>
+          <p:cNvPr id="13" name="Straight Arrow Connector 12">
+            <a:extLst>
+              <a:ext uri="{FF2B5EF4-FFF2-40B4-BE49-F238E27FC236}">
+                <a16:creationId xmlns:a16="http://schemas.microsoft.com/office/drawing/2014/main" id="{01AF5F53-D321-E7DC-3402-3DFA64059098}"/>
+              </a:ext>
+            </a:extLst>
+          </p:cNvPr>
+          <p:cNvCxnSpPr>
+            <a:cxnSpLocks/>
+          </p:cNvCxnSpPr>
+          <p:nvPr/>
+        </p:nvCxnSpPr>
+        <p:spPr bwMode="auto">
+          <a:xfrm>
+            <a:off x="205894" y="4018751"/>
+            <a:ext cx="1150336" cy="0"/>
+          </a:xfrm>
+          <a:prstGeom prst="straightConnector1">
+            <a:avLst/>
+          </a:prstGeom>
+          <a:solidFill>
+            <a:schemeClr val="bg1"/>
+          </a:solidFill>
+          <a:ln w="28575" cap="flat" cmpd="sng" algn="ctr">
+            <a:solidFill>
+              <a:schemeClr val="tx1"/>
+            </a:solidFill>
+            <a:prstDash val="solid"/>
+            <a:round/>
+            <a:headEnd type="none" w="med" len="med"/>
+            <a:tailEnd type="arrow" w="med" len="med"/>
+          </a:ln>
+          <a:effectLst/>
+          <a:extLst>
+            <a:ext uri="{AF507438-7753-43e0-B8FC-AC1667EBCBE1}">
+              <a14:hiddenEffects xmlns="" xmlns:a14="http://schemas.microsoft.com/office/drawing/2010/main">
+                <a:effectLst>
+                  <a:outerShdw dist="35921" dir="2700000" algn="ctr" rotWithShape="0">
+                    <a:schemeClr val="bg2"/>
+                  </a:outerShdw>
+                </a:effectLst>
+              </a14:hiddenEffects>
+            </a:ext>
+          </a:extLst>
+        </p:spPr>
+      </p:cxnSp>
+      <p:sp>
+        <p:nvSpPr>
+          <p:cNvPr id="14" name="TextBox 13">
+            <a:extLst>
+              <a:ext uri="{FF2B5EF4-FFF2-40B4-BE49-F238E27FC236}">
+                <a16:creationId xmlns:a16="http://schemas.microsoft.com/office/drawing/2014/main" id="{9DF19F85-EFD2-9473-EB61-6022BFFC8EA4}"/>
+              </a:ext>
+            </a:extLst>
+          </p:cNvPr>
+          <p:cNvSpPr txBox="1"/>
+          <p:nvPr/>
+        </p:nvSpPr>
+        <p:spPr>
+          <a:xfrm>
+            <a:off x="112104" y="3655451"/>
+            <a:ext cx="1189846" cy="338554"/>
+          </a:xfrm>
+          <a:prstGeom prst="rect">
+            <a:avLst/>
+          </a:prstGeom>
+          <a:noFill/>
+        </p:spPr>
+        <p:txBody>
+          <a:bodyPr wrap="square">
+            <a:spAutoFit/>
+          </a:bodyPr>
+          <a:lstStyle/>
+          <a:p>
+            <a:r>
+              <a:rPr lang="en-GB" sz="1600" b="0" dirty="0">
+                <a:latin typeface="Arial" panose="020B0604020202020204" pitchFamily="34" charset="0"/>
+                <a:cs typeface="Arial" panose="020B0604020202020204" pitchFamily="34" charset="0"/>
+              </a:rPr>
+              <a:t>0 as pivot</a:t>
+            </a:r>
+            <a:endParaRPr lang="en-SE" sz="1600" b="0" dirty="0">
+              <a:latin typeface="Arial" panose="020B0604020202020204" pitchFamily="34" charset="0"/>
+              <a:cs typeface="Arial" panose="020B0604020202020204" pitchFamily="34" charset="0"/>
+            </a:endParaRPr>
+          </a:p>
+        </p:txBody>
+      </p:sp>
+      <p:cxnSp>
+        <p:nvCxnSpPr>
+          <p:cNvPr id="15" name="Straight Arrow Connector 14">
+            <a:extLst>
+              <a:ext uri="{FF2B5EF4-FFF2-40B4-BE49-F238E27FC236}">
+                <a16:creationId xmlns:a16="http://schemas.microsoft.com/office/drawing/2014/main" id="{C0614F21-4D72-2DA4-1A69-F036F2787762}"/>
+              </a:ext>
+            </a:extLst>
+          </p:cNvPr>
+          <p:cNvCxnSpPr>
+            <a:cxnSpLocks/>
+          </p:cNvCxnSpPr>
+          <p:nvPr/>
+        </p:nvCxnSpPr>
+        <p:spPr bwMode="auto">
+          <a:xfrm>
+            <a:off x="6080823" y="3916119"/>
+            <a:ext cx="1150336" cy="0"/>
+          </a:xfrm>
+          <a:prstGeom prst="straightConnector1">
+            <a:avLst/>
+          </a:prstGeom>
+          <a:solidFill>
+            <a:schemeClr val="bg1"/>
+          </a:solidFill>
+          <a:ln w="28575" cap="flat" cmpd="sng" algn="ctr">
+            <a:solidFill>
+              <a:schemeClr val="tx1"/>
+            </a:solidFill>
+            <a:prstDash val="solid"/>
+            <a:round/>
+            <a:headEnd type="none" w="med" len="med"/>
+            <a:tailEnd type="arrow" w="med" len="med"/>
+          </a:ln>
+          <a:effectLst/>
+          <a:extLst>
+            <a:ext uri="{AF507438-7753-43e0-B8FC-AC1667EBCBE1}">
+              <a14:hiddenEffects xmlns="" xmlns:a14="http://schemas.microsoft.com/office/drawing/2010/main">
+                <a:effectLst>
+                  <a:outerShdw dist="35921" dir="2700000" algn="ctr" rotWithShape="0">
+                    <a:schemeClr val="bg2"/>
+                  </a:outerShdw>
+                </a:effectLst>
+              </a14:hiddenEffects>
+            </a:ext>
+          </a:extLst>
+        </p:spPr>
+      </p:cxnSp>
+      <p:sp>
+        <p:nvSpPr>
+          <p:cNvPr id="16" name="TextBox 15">
+            <a:extLst>
+              <a:ext uri="{FF2B5EF4-FFF2-40B4-BE49-F238E27FC236}">
+                <a16:creationId xmlns:a16="http://schemas.microsoft.com/office/drawing/2014/main" id="{22A19C26-D2A9-D7BE-D5CE-97B5871C40D4}"/>
+              </a:ext>
+            </a:extLst>
+          </p:cNvPr>
+          <p:cNvSpPr txBox="1"/>
+          <p:nvPr/>
+        </p:nvSpPr>
+        <p:spPr>
+          <a:xfrm>
+            <a:off x="5987033" y="3552819"/>
+            <a:ext cx="1189846" cy="338554"/>
+          </a:xfrm>
+          <a:prstGeom prst="rect">
+            <a:avLst/>
+          </a:prstGeom>
+          <a:noFill/>
+        </p:spPr>
+        <p:txBody>
+          <a:bodyPr wrap="square">
+            <a:spAutoFit/>
+          </a:bodyPr>
+          <a:lstStyle/>
+          <a:p>
+            <a:r>
+              <a:rPr lang="en-GB" sz="1600" b="0" dirty="0">
+                <a:latin typeface="Arial" panose="020B0604020202020204" pitchFamily="34" charset="0"/>
+                <a:cs typeface="Arial" panose="020B0604020202020204" pitchFamily="34" charset="0"/>
+              </a:rPr>
+              <a:t>4 as pivot</a:t>
+            </a:r>
+            <a:endParaRPr lang="en-SE" sz="1600" b="0" dirty="0">
+              <a:latin typeface="Arial" panose="020B0604020202020204" pitchFamily="34" charset="0"/>
+              <a:cs typeface="Arial" panose="020B0604020202020204" pitchFamily="34" charset="0"/>
+            </a:endParaRPr>
+          </a:p>
+        </p:txBody>
+      </p:sp>
+      <p:graphicFrame>
+        <p:nvGraphicFramePr>
+          <p:cNvPr id="17" name="Content Placeholder 3">
+            <a:extLst>
+              <a:ext uri="{FF2B5EF4-FFF2-40B4-BE49-F238E27FC236}">
+                <a16:creationId xmlns:a16="http://schemas.microsoft.com/office/drawing/2014/main" id="{3E66D525-F9D8-6E05-3578-627DF0DF0023}"/>
+              </a:ext>
+            </a:extLst>
+          </p:cNvPr>
+          <p:cNvGraphicFramePr>
+            <a:graphicFrameLocks/>
+          </p:cNvGraphicFramePr>
+          <p:nvPr>
+            <p:extLst>
+              <p:ext uri="{D42A27DB-BD31-4B8C-83A1-F6EECF244321}">
+                <p14:modId xmlns:p14="http://schemas.microsoft.com/office/powerpoint/2010/main" val="3786632907"/>
+              </p:ext>
+            </p:extLst>
+          </p:nvPr>
+        </p:nvGraphicFramePr>
+        <p:xfrm>
+          <a:off x="7464136" y="3840117"/>
+          <a:ext cx="4397826" cy="457200"/>
+        </p:xfrm>
+        <a:graphic>
+          <a:graphicData uri="http://schemas.openxmlformats.org/drawingml/2006/table">
+            <a:tbl>
+              <a:tblPr firstRow="1" bandRow="1">
+                <a:tableStyleId>{5940675A-B579-460E-94D1-54222C63F5DA}</a:tableStyleId>
+              </a:tblPr>
+              <a:tblGrid>
+                <a:gridCol w="732971">
+                  <a:extLst>
+                    <a:ext uri="{9D8B030D-6E8A-4147-A177-3AD203B41FA5}">
+                      <a16:colId xmlns:a16="http://schemas.microsoft.com/office/drawing/2014/main" val="1092347686"/>
+                    </a:ext>
+                  </a:extLst>
+                </a:gridCol>
+                <a:gridCol w="732971">
+                  <a:extLst>
+                    <a:ext uri="{9D8B030D-6E8A-4147-A177-3AD203B41FA5}">
+                      <a16:colId xmlns:a16="http://schemas.microsoft.com/office/drawing/2014/main" val="3808001989"/>
+                    </a:ext>
+                  </a:extLst>
+                </a:gridCol>
+                <a:gridCol w="732971">
+                  <a:extLst>
+                    <a:ext uri="{9D8B030D-6E8A-4147-A177-3AD203B41FA5}">
+                      <a16:colId xmlns:a16="http://schemas.microsoft.com/office/drawing/2014/main" val="1745240979"/>
+                    </a:ext>
+                  </a:extLst>
+                </a:gridCol>
+                <a:gridCol w="732971">
+                  <a:extLst>
+                    <a:ext uri="{9D8B030D-6E8A-4147-A177-3AD203B41FA5}">
+                      <a16:colId xmlns:a16="http://schemas.microsoft.com/office/drawing/2014/main" val="830981527"/>
+                    </a:ext>
+                  </a:extLst>
+                </a:gridCol>
+                <a:gridCol w="732971">
+                  <a:extLst>
+                    <a:ext uri="{9D8B030D-6E8A-4147-A177-3AD203B41FA5}">
+                      <a16:colId xmlns:a16="http://schemas.microsoft.com/office/drawing/2014/main" val="323891662"/>
+                    </a:ext>
+                  </a:extLst>
+                </a:gridCol>
+                <a:gridCol w="732971">
+                  <a:extLst>
+                    <a:ext uri="{9D8B030D-6E8A-4147-A177-3AD203B41FA5}">
+                      <a16:colId xmlns:a16="http://schemas.microsoft.com/office/drawing/2014/main" val="3598847113"/>
+                    </a:ext>
+                  </a:extLst>
+                </a:gridCol>
+              </a:tblGrid>
+              <a:tr h="457200">
+                <a:tc>
+                  <a:txBody>
+                    <a:bodyPr/>
+                    <a:lstStyle/>
+                    <a:p>
+                      <a:pPr algn="ctr"/>
+                      <a:r>
+                        <a:rPr lang="en-US" sz="2000" dirty="0"/>
+                        <a:t>0</a:t>
+                      </a:r>
+                      <a:endParaRPr lang="en-SE" sz="2000" dirty="0"/>
+                    </a:p>
+                  </a:txBody>
+                  <a:tcPr anchor="ctr"/>
+                </a:tc>
+                <a:tc>
+                  <a:txBody>
+                    <a:bodyPr/>
+                    <a:lstStyle/>
+                    <a:p>
+                      <a:pPr algn="ctr"/>
+                      <a:r>
+                        <a:rPr lang="en-US" sz="2000" dirty="0">
+                          <a:solidFill>
+                            <a:srgbClr val="FF0000"/>
+                          </a:solidFill>
+                        </a:rPr>
+                        <a:t>1</a:t>
+                      </a:r>
+                      <a:endParaRPr lang="en-SE" sz="2000" dirty="0">
+                        <a:solidFill>
+                          <a:srgbClr val="FF0000"/>
+                        </a:solidFill>
+                      </a:endParaRPr>
+                    </a:p>
+                  </a:txBody>
+                  <a:tcPr anchor="ctr"/>
+                </a:tc>
+                <a:tc>
+                  <a:txBody>
+                    <a:bodyPr/>
+                    <a:lstStyle/>
+                    <a:p>
+                      <a:pPr algn="ctr"/>
+                      <a:r>
+                        <a:rPr lang="en-US" sz="2000" dirty="0">
+                          <a:solidFill>
+                            <a:srgbClr val="FF0000"/>
+                          </a:solidFill>
+                        </a:rPr>
+                        <a:t>3</a:t>
+                      </a:r>
+                      <a:endParaRPr lang="en-SE" sz="2000" dirty="0">
+                        <a:solidFill>
+                          <a:srgbClr val="FF0000"/>
+                        </a:solidFill>
+                      </a:endParaRPr>
+                    </a:p>
+                  </a:txBody>
+                  <a:tcPr anchor="ctr"/>
+                </a:tc>
+                <a:tc>
+                  <a:txBody>
+                    <a:bodyPr/>
+                    <a:lstStyle/>
+                    <a:p>
+                      <a:pPr algn="ctr"/>
+                      <a:r>
+                        <a:rPr lang="en-US" sz="2000" dirty="0">
+                          <a:solidFill>
+                            <a:srgbClr val="FF0000"/>
+                          </a:solidFill>
+                        </a:rPr>
+                        <a:t>2</a:t>
+                      </a:r>
+                      <a:endParaRPr lang="en-SE" sz="2000" dirty="0">
+                        <a:solidFill>
+                          <a:srgbClr val="FF0000"/>
+                        </a:solidFill>
+                      </a:endParaRPr>
+                    </a:p>
+                  </a:txBody>
+                  <a:tcPr anchor="ctr"/>
+                </a:tc>
+                <a:tc>
+                  <a:txBody>
+                    <a:bodyPr/>
+                    <a:lstStyle/>
+                    <a:p>
+                      <a:pPr algn="ctr"/>
+                      <a:r>
+                        <a:rPr lang="en-US" sz="2000" dirty="0"/>
+                        <a:t>4</a:t>
+                      </a:r>
+                      <a:endParaRPr lang="en-SE" sz="2000" dirty="0"/>
+                    </a:p>
+                  </a:txBody>
+                  <a:tcPr anchor="ctr"/>
+                </a:tc>
+                <a:tc>
+                  <a:txBody>
+                    <a:bodyPr/>
+                    <a:lstStyle/>
+                    <a:p>
+                      <a:pPr algn="ctr"/>
+                      <a:r>
+                        <a:rPr lang="en-US" sz="2000" dirty="0"/>
+                        <a:t>5</a:t>
+                      </a:r>
+                      <a:endParaRPr lang="en-SE" sz="2000" dirty="0"/>
+                    </a:p>
+                  </a:txBody>
+                  <a:tcPr anchor="ctr"/>
+                </a:tc>
+                <a:extLst>
+                  <a:ext uri="{0D108BD9-81ED-4DB2-BD59-A6C34878D82A}">
+                    <a16:rowId xmlns:a16="http://schemas.microsoft.com/office/drawing/2014/main" val="3643504535"/>
+                  </a:ext>
+                </a:extLst>
+              </a:tr>
+            </a:tbl>
+          </a:graphicData>
+        </a:graphic>
+      </p:graphicFrame>
+      <p:sp>
+        <p:nvSpPr>
+          <p:cNvPr id="20" name="TextBox 19">
+            <a:extLst>
+              <a:ext uri="{FF2B5EF4-FFF2-40B4-BE49-F238E27FC236}">
+                <a16:creationId xmlns:a16="http://schemas.microsoft.com/office/drawing/2014/main" id="{A80E4154-A7D7-8B10-860E-5D5A3C58DE0F}"/>
+              </a:ext>
+            </a:extLst>
+          </p:cNvPr>
+          <p:cNvSpPr txBox="1"/>
+          <p:nvPr/>
+        </p:nvSpPr>
+        <p:spPr>
+          <a:xfrm>
+            <a:off x="5364302" y="3232977"/>
+            <a:ext cx="1626072" cy="338554"/>
+          </a:xfrm>
+          <a:prstGeom prst="rect">
+            <a:avLst/>
+          </a:prstGeom>
+          <a:noFill/>
+        </p:spPr>
+        <p:txBody>
+          <a:bodyPr wrap="square">
+            <a:spAutoFit/>
+          </a:bodyPr>
+          <a:lstStyle/>
+          <a:p>
+            <a:r>
+              <a:rPr lang="en-US" altLang="zh-CN" sz="1600" b="0" dirty="0">
+                <a:latin typeface="Arial" panose="020B0604020202020204" pitchFamily="34" charset="0"/>
+                <a:cs typeface="Arial" panose="020B0604020202020204" pitchFamily="34" charset="0"/>
+              </a:rPr>
+              <a:t>Swap 5 and 0</a:t>
+            </a:r>
+            <a:endParaRPr lang="en-SE" sz="1600" b="0" dirty="0">
+              <a:latin typeface="Arial" panose="020B0604020202020204" pitchFamily="34" charset="0"/>
+              <a:cs typeface="Arial" panose="020B0604020202020204" pitchFamily="34" charset="0"/>
+            </a:endParaRPr>
+          </a:p>
+        </p:txBody>
+      </p:sp>
+      <p:sp>
+        <p:nvSpPr>
+          <p:cNvPr id="21" name="TextBox 20">
+            <a:extLst>
+              <a:ext uri="{FF2B5EF4-FFF2-40B4-BE49-F238E27FC236}">
+                <a16:creationId xmlns:a16="http://schemas.microsoft.com/office/drawing/2014/main" id="{DA2507F4-F0A8-7834-83DD-EA86560DD462}"/>
+              </a:ext>
+            </a:extLst>
+          </p:cNvPr>
+          <p:cNvSpPr txBox="1"/>
+          <p:nvPr/>
+        </p:nvSpPr>
+        <p:spPr>
+          <a:xfrm>
+            <a:off x="120987" y="4038120"/>
+            <a:ext cx="1189846" cy="338554"/>
+          </a:xfrm>
+          <a:prstGeom prst="rect">
+            <a:avLst/>
+          </a:prstGeom>
+          <a:noFill/>
+        </p:spPr>
+        <p:txBody>
+          <a:bodyPr wrap="square">
+            <a:spAutoFit/>
+          </a:bodyPr>
+          <a:lstStyle/>
+          <a:p>
+            <a:r>
+              <a:rPr lang="en-US" altLang="zh-CN" sz="1600" b="0" dirty="0">
+                <a:latin typeface="Arial" panose="020B0604020202020204" pitchFamily="34" charset="0"/>
+                <a:cs typeface="Arial" panose="020B0604020202020204" pitchFamily="34" charset="0"/>
+              </a:rPr>
+              <a:t>No swap</a:t>
+            </a:r>
+            <a:endParaRPr lang="en-SE" sz="1600" b="0" dirty="0">
+              <a:latin typeface="Arial" panose="020B0604020202020204" pitchFamily="34" charset="0"/>
+              <a:cs typeface="Arial" panose="020B0604020202020204" pitchFamily="34" charset="0"/>
+            </a:endParaRPr>
+          </a:p>
+        </p:txBody>
+      </p:sp>
+      <p:sp>
+        <p:nvSpPr>
+          <p:cNvPr id="22" name="TextBox 21">
+            <a:extLst>
+              <a:ext uri="{FF2B5EF4-FFF2-40B4-BE49-F238E27FC236}">
+                <a16:creationId xmlns:a16="http://schemas.microsoft.com/office/drawing/2014/main" id="{68270803-6021-7758-1161-CE0B33930EE8}"/>
+              </a:ext>
+            </a:extLst>
+          </p:cNvPr>
+          <p:cNvSpPr txBox="1"/>
+          <p:nvPr/>
+        </p:nvSpPr>
+        <p:spPr>
+          <a:xfrm>
+            <a:off x="5847846" y="3956123"/>
+            <a:ext cx="1723156" cy="338554"/>
+          </a:xfrm>
+          <a:prstGeom prst="rect">
+            <a:avLst/>
+          </a:prstGeom>
+          <a:noFill/>
+        </p:spPr>
+        <p:txBody>
+          <a:bodyPr wrap="square">
+            <a:spAutoFit/>
+          </a:bodyPr>
+          <a:lstStyle/>
+          <a:p>
+            <a:r>
+              <a:rPr lang="en-US" altLang="zh-CN" sz="1600" b="0" dirty="0">
+                <a:latin typeface="Arial" panose="020B0604020202020204" pitchFamily="34" charset="0"/>
+                <a:cs typeface="Arial" panose="020B0604020202020204" pitchFamily="34" charset="0"/>
+              </a:rPr>
+              <a:t>Swap 4 and 1</a:t>
+            </a:r>
+            <a:endParaRPr lang="en-SE" sz="1600" b="0" dirty="0">
+              <a:latin typeface="Arial" panose="020B0604020202020204" pitchFamily="34" charset="0"/>
+              <a:cs typeface="Arial" panose="020B0604020202020204" pitchFamily="34" charset="0"/>
+            </a:endParaRPr>
+          </a:p>
+        </p:txBody>
+      </p:sp>
+      <p:cxnSp>
+        <p:nvCxnSpPr>
+          <p:cNvPr id="23" name="Straight Arrow Connector 22">
+            <a:extLst>
+              <a:ext uri="{FF2B5EF4-FFF2-40B4-BE49-F238E27FC236}">
+                <a16:creationId xmlns:a16="http://schemas.microsoft.com/office/drawing/2014/main" id="{33D8B45A-A625-AB61-ADC6-36BC54C72E16}"/>
+              </a:ext>
+            </a:extLst>
+          </p:cNvPr>
+          <p:cNvCxnSpPr>
+            <a:cxnSpLocks/>
+          </p:cNvCxnSpPr>
+          <p:nvPr/>
+        </p:nvCxnSpPr>
+        <p:spPr bwMode="auto">
+          <a:xfrm>
+            <a:off x="205894" y="5103925"/>
+            <a:ext cx="1150336" cy="0"/>
+          </a:xfrm>
+          <a:prstGeom prst="straightConnector1">
+            <a:avLst/>
+          </a:prstGeom>
+          <a:solidFill>
+            <a:schemeClr val="bg1"/>
+          </a:solidFill>
+          <a:ln w="28575" cap="flat" cmpd="sng" algn="ctr">
+            <a:solidFill>
+              <a:schemeClr val="tx1"/>
+            </a:solidFill>
+            <a:prstDash val="solid"/>
+            <a:round/>
+            <a:headEnd type="none" w="med" len="med"/>
+            <a:tailEnd type="arrow" w="med" len="med"/>
+          </a:ln>
+          <a:effectLst/>
+          <a:extLst>
+            <a:ext uri="{AF507438-7753-43e0-B8FC-AC1667EBCBE1}">
+              <a14:hiddenEffects xmlns="" xmlns:a14="http://schemas.microsoft.com/office/drawing/2010/main">
+                <a:effectLst>
+                  <a:outerShdw dist="35921" dir="2700000" algn="ctr" rotWithShape="0">
+                    <a:schemeClr val="bg2"/>
+                  </a:outerShdw>
+                </a:effectLst>
+              </a14:hiddenEffects>
+            </a:ext>
+          </a:extLst>
+        </p:spPr>
+      </p:cxnSp>
+      <p:sp>
+        <p:nvSpPr>
+          <p:cNvPr id="24" name="TextBox 23">
+            <a:extLst>
+              <a:ext uri="{FF2B5EF4-FFF2-40B4-BE49-F238E27FC236}">
+                <a16:creationId xmlns:a16="http://schemas.microsoft.com/office/drawing/2014/main" id="{6570ECB4-FD4A-C052-E101-7F8A790DEAA5}"/>
+              </a:ext>
+            </a:extLst>
+          </p:cNvPr>
+          <p:cNvSpPr txBox="1"/>
+          <p:nvPr/>
+        </p:nvSpPr>
+        <p:spPr>
+          <a:xfrm>
+            <a:off x="112104" y="4740625"/>
+            <a:ext cx="1189846" cy="338554"/>
+          </a:xfrm>
+          <a:prstGeom prst="rect">
+            <a:avLst/>
+          </a:prstGeom>
+          <a:noFill/>
+        </p:spPr>
+        <p:txBody>
+          <a:bodyPr wrap="square">
+            <a:spAutoFit/>
+          </a:bodyPr>
+          <a:lstStyle/>
+          <a:p>
+            <a:r>
+              <a:rPr lang="en-GB" sz="1600" b="0" dirty="0">
+                <a:latin typeface="Arial" panose="020B0604020202020204" pitchFamily="34" charset="0"/>
+                <a:cs typeface="Arial" panose="020B0604020202020204" pitchFamily="34" charset="0"/>
+              </a:rPr>
+              <a:t>1 as pivot</a:t>
+            </a:r>
+            <a:endParaRPr lang="en-SE" sz="1600" b="0" dirty="0">
+              <a:latin typeface="Arial" panose="020B0604020202020204" pitchFamily="34" charset="0"/>
+              <a:cs typeface="Arial" panose="020B0604020202020204" pitchFamily="34" charset="0"/>
+            </a:endParaRPr>
+          </a:p>
+        </p:txBody>
+      </p:sp>
+      <p:cxnSp>
+        <p:nvCxnSpPr>
+          <p:cNvPr id="25" name="Straight Arrow Connector 24">
+            <a:extLst>
+              <a:ext uri="{FF2B5EF4-FFF2-40B4-BE49-F238E27FC236}">
+                <a16:creationId xmlns:a16="http://schemas.microsoft.com/office/drawing/2014/main" id="{4C4DCABD-22E2-6315-CF9F-B89BEC6DBC8D}"/>
+              </a:ext>
+            </a:extLst>
+          </p:cNvPr>
+          <p:cNvCxnSpPr>
+            <a:cxnSpLocks/>
+          </p:cNvCxnSpPr>
+          <p:nvPr/>
+        </p:nvCxnSpPr>
+        <p:spPr bwMode="auto">
+          <a:xfrm>
+            <a:off x="6080823" y="5001293"/>
+            <a:ext cx="1150336" cy="0"/>
+          </a:xfrm>
+          <a:prstGeom prst="straightConnector1">
+            <a:avLst/>
+          </a:prstGeom>
+          <a:solidFill>
+            <a:schemeClr val="bg1"/>
+          </a:solidFill>
+          <a:ln w="28575" cap="flat" cmpd="sng" algn="ctr">
+            <a:solidFill>
+              <a:schemeClr val="tx1"/>
+            </a:solidFill>
+            <a:prstDash val="solid"/>
+            <a:round/>
+            <a:headEnd type="none" w="med" len="med"/>
+            <a:tailEnd type="arrow" w="med" len="med"/>
+          </a:ln>
+          <a:effectLst/>
+          <a:extLst>
+            <a:ext uri="{AF507438-7753-43e0-B8FC-AC1667EBCBE1}">
+              <a14:hiddenEffects xmlns="" xmlns:a14="http://schemas.microsoft.com/office/drawing/2010/main">
+                <a:effectLst>
+                  <a:outerShdw dist="35921" dir="2700000" algn="ctr" rotWithShape="0">
+                    <a:schemeClr val="bg2"/>
+                  </a:outerShdw>
+                </a:effectLst>
+              </a14:hiddenEffects>
+            </a:ext>
+          </a:extLst>
+        </p:spPr>
+      </p:cxnSp>
+      <p:sp>
+        <p:nvSpPr>
+          <p:cNvPr id="26" name="TextBox 25">
+            <a:extLst>
+              <a:ext uri="{FF2B5EF4-FFF2-40B4-BE49-F238E27FC236}">
+                <a16:creationId xmlns:a16="http://schemas.microsoft.com/office/drawing/2014/main" id="{D778301B-DEA8-E2E0-DDBA-A37D7220B646}"/>
+              </a:ext>
+            </a:extLst>
+          </p:cNvPr>
+          <p:cNvSpPr txBox="1"/>
+          <p:nvPr/>
+        </p:nvSpPr>
+        <p:spPr>
+          <a:xfrm>
+            <a:off x="5987033" y="4637993"/>
+            <a:ext cx="1189846" cy="338554"/>
+          </a:xfrm>
+          <a:prstGeom prst="rect">
+            <a:avLst/>
+          </a:prstGeom>
+          <a:noFill/>
+        </p:spPr>
+        <p:txBody>
+          <a:bodyPr wrap="square">
+            <a:spAutoFit/>
+          </a:bodyPr>
+          <a:lstStyle/>
+          <a:p>
+            <a:r>
+              <a:rPr lang="en-GB" sz="1600" b="0" dirty="0">
+                <a:latin typeface="Arial" panose="020B0604020202020204" pitchFamily="34" charset="0"/>
+                <a:cs typeface="Arial" panose="020B0604020202020204" pitchFamily="34" charset="0"/>
+              </a:rPr>
+              <a:t>3 as pivot</a:t>
+            </a:r>
+            <a:endParaRPr lang="en-SE" sz="1600" b="0" dirty="0">
+              <a:latin typeface="Arial" panose="020B0604020202020204" pitchFamily="34" charset="0"/>
+              <a:cs typeface="Arial" panose="020B0604020202020204" pitchFamily="34" charset="0"/>
+            </a:endParaRPr>
+          </a:p>
+        </p:txBody>
+      </p:sp>
+      <p:graphicFrame>
+        <p:nvGraphicFramePr>
+          <p:cNvPr id="27" name="Content Placeholder 3">
+            <a:extLst>
+              <a:ext uri="{FF2B5EF4-FFF2-40B4-BE49-F238E27FC236}">
+                <a16:creationId xmlns:a16="http://schemas.microsoft.com/office/drawing/2014/main" id="{3CB8BD28-62B4-11BE-7536-BE9ACBB6B1A6}"/>
+              </a:ext>
+            </a:extLst>
+          </p:cNvPr>
+          <p:cNvGraphicFramePr>
+            <a:graphicFrameLocks/>
+          </p:cNvGraphicFramePr>
+          <p:nvPr>
+            <p:extLst>
+              <p:ext uri="{D42A27DB-BD31-4B8C-83A1-F6EECF244321}">
+                <p14:modId xmlns:p14="http://schemas.microsoft.com/office/powerpoint/2010/main" val="3090797820"/>
+              </p:ext>
+            </p:extLst>
+          </p:nvPr>
+        </p:nvGraphicFramePr>
+        <p:xfrm>
+          <a:off x="7464136" y="4925291"/>
+          <a:ext cx="4397826" cy="457200"/>
+        </p:xfrm>
+        <a:graphic>
+          <a:graphicData uri="http://schemas.openxmlformats.org/drawingml/2006/table">
+            <a:tbl>
+              <a:tblPr firstRow="1" bandRow="1">
+                <a:tableStyleId>{5940675A-B579-460E-94D1-54222C63F5DA}</a:tableStyleId>
+              </a:tblPr>
+              <a:tblGrid>
+                <a:gridCol w="732971">
+                  <a:extLst>
+                    <a:ext uri="{9D8B030D-6E8A-4147-A177-3AD203B41FA5}">
+                      <a16:colId xmlns:a16="http://schemas.microsoft.com/office/drawing/2014/main" val="1092347686"/>
+                    </a:ext>
+                  </a:extLst>
+                </a:gridCol>
+                <a:gridCol w="732971">
+                  <a:extLst>
+                    <a:ext uri="{9D8B030D-6E8A-4147-A177-3AD203B41FA5}">
+                      <a16:colId xmlns:a16="http://schemas.microsoft.com/office/drawing/2014/main" val="3808001989"/>
+                    </a:ext>
+                  </a:extLst>
+                </a:gridCol>
+                <a:gridCol w="732971">
+                  <a:extLst>
+                    <a:ext uri="{9D8B030D-6E8A-4147-A177-3AD203B41FA5}">
+                      <a16:colId xmlns:a16="http://schemas.microsoft.com/office/drawing/2014/main" val="1745240979"/>
+                    </a:ext>
+                  </a:extLst>
+                </a:gridCol>
+                <a:gridCol w="732971">
+                  <a:extLst>
+                    <a:ext uri="{9D8B030D-6E8A-4147-A177-3AD203B41FA5}">
+                      <a16:colId xmlns:a16="http://schemas.microsoft.com/office/drawing/2014/main" val="830981527"/>
+                    </a:ext>
+                  </a:extLst>
+                </a:gridCol>
+                <a:gridCol w="732971">
+                  <a:extLst>
+                    <a:ext uri="{9D8B030D-6E8A-4147-A177-3AD203B41FA5}">
+                      <a16:colId xmlns:a16="http://schemas.microsoft.com/office/drawing/2014/main" val="323891662"/>
+                    </a:ext>
+                  </a:extLst>
+                </a:gridCol>
+                <a:gridCol w="732971">
+                  <a:extLst>
+                    <a:ext uri="{9D8B030D-6E8A-4147-A177-3AD203B41FA5}">
+                      <a16:colId xmlns:a16="http://schemas.microsoft.com/office/drawing/2014/main" val="3598847113"/>
+                    </a:ext>
+                  </a:extLst>
+                </a:gridCol>
+              </a:tblGrid>
+              <a:tr h="457200">
+                <a:tc>
+                  <a:txBody>
+                    <a:bodyPr/>
+                    <a:lstStyle/>
+                    <a:p>
+                      <a:pPr algn="ctr"/>
+                      <a:r>
+                        <a:rPr lang="en-US" sz="2000" dirty="0"/>
+                        <a:t>0</a:t>
+                      </a:r>
+                      <a:endParaRPr lang="en-SE" sz="2000" dirty="0"/>
+                    </a:p>
+                  </a:txBody>
+                  <a:tcPr anchor="ctr"/>
+                </a:tc>
+                <a:tc>
+                  <a:txBody>
+                    <a:bodyPr/>
+                    <a:lstStyle/>
+                    <a:p>
+                      <a:pPr algn="ctr"/>
+                      <a:r>
+                        <a:rPr lang="en-US" sz="2000" dirty="0"/>
+                        <a:t>1</a:t>
+                      </a:r>
+                      <a:endParaRPr lang="en-SE" sz="2000" dirty="0"/>
+                    </a:p>
+                  </a:txBody>
+                  <a:tcPr anchor="ctr"/>
+                </a:tc>
+                <a:tc>
+                  <a:txBody>
+                    <a:bodyPr/>
+                    <a:lstStyle/>
+                    <a:p>
+                      <a:pPr algn="ctr"/>
+                      <a:r>
+                        <a:rPr lang="en-US" sz="2000" dirty="0"/>
+                        <a:t>2</a:t>
+                      </a:r>
+                      <a:endParaRPr lang="en-SE" sz="2000" dirty="0"/>
+                    </a:p>
+                  </a:txBody>
+                  <a:tcPr anchor="ctr"/>
+                </a:tc>
+                <a:tc>
+                  <a:txBody>
+                    <a:bodyPr/>
+                    <a:lstStyle/>
+                    <a:p>
+                      <a:pPr algn="ctr"/>
+                      <a:r>
+                        <a:rPr lang="en-US" sz="2000" dirty="0"/>
+                        <a:t>3</a:t>
+                      </a:r>
+                      <a:endParaRPr lang="en-SE" sz="2000" dirty="0"/>
+                    </a:p>
+                  </a:txBody>
+                  <a:tcPr anchor="ctr"/>
+                </a:tc>
+                <a:tc>
+                  <a:txBody>
+                    <a:bodyPr/>
+                    <a:lstStyle/>
+                    <a:p>
+                      <a:pPr algn="ctr"/>
+                      <a:r>
+                        <a:rPr lang="en-US" sz="2000" dirty="0"/>
+                        <a:t>4</a:t>
+                      </a:r>
+                      <a:endParaRPr lang="en-SE" sz="2000" dirty="0"/>
+                    </a:p>
+                  </a:txBody>
+                  <a:tcPr anchor="ctr"/>
+                </a:tc>
+                <a:tc>
+                  <a:txBody>
+                    <a:bodyPr/>
+                    <a:lstStyle/>
+                    <a:p>
+                      <a:pPr algn="ctr"/>
+                      <a:r>
+                        <a:rPr lang="en-US" sz="2000" dirty="0"/>
+                        <a:t>5</a:t>
+                      </a:r>
+                      <a:endParaRPr lang="en-SE" sz="2000" dirty="0"/>
+                    </a:p>
+                  </a:txBody>
+                  <a:tcPr anchor="ctr"/>
+                </a:tc>
+                <a:extLst>
+                  <a:ext uri="{0D108BD9-81ED-4DB2-BD59-A6C34878D82A}">
+                    <a16:rowId xmlns:a16="http://schemas.microsoft.com/office/drawing/2014/main" val="3643504535"/>
+                  </a:ext>
+                </a:extLst>
+              </a:tr>
+            </a:tbl>
+          </a:graphicData>
+        </a:graphic>
+      </p:graphicFrame>
+      <p:sp>
+        <p:nvSpPr>
+          <p:cNvPr id="28" name="TextBox 27">
+            <a:extLst>
+              <a:ext uri="{FF2B5EF4-FFF2-40B4-BE49-F238E27FC236}">
+                <a16:creationId xmlns:a16="http://schemas.microsoft.com/office/drawing/2014/main" id="{19410102-128D-E569-52A9-DBBF6977C6A9}"/>
+              </a:ext>
+            </a:extLst>
+          </p:cNvPr>
+          <p:cNvSpPr txBox="1"/>
+          <p:nvPr/>
+        </p:nvSpPr>
+        <p:spPr>
+          <a:xfrm>
+            <a:off x="120987" y="5123294"/>
+            <a:ext cx="1189846" cy="338554"/>
+          </a:xfrm>
+          <a:prstGeom prst="rect">
+            <a:avLst/>
+          </a:prstGeom>
+          <a:noFill/>
+        </p:spPr>
+        <p:txBody>
+          <a:bodyPr wrap="square">
+            <a:spAutoFit/>
+          </a:bodyPr>
+          <a:lstStyle/>
+          <a:p>
+            <a:r>
+              <a:rPr lang="en-US" altLang="zh-CN" sz="1600" b="0" dirty="0">
+                <a:latin typeface="Arial" panose="020B0604020202020204" pitchFamily="34" charset="0"/>
+                <a:cs typeface="Arial" panose="020B0604020202020204" pitchFamily="34" charset="0"/>
+              </a:rPr>
+              <a:t>No swap</a:t>
+            </a:r>
+            <a:endParaRPr lang="en-SE" sz="1600" b="0" dirty="0">
+              <a:latin typeface="Arial" panose="020B0604020202020204" pitchFamily="34" charset="0"/>
+              <a:cs typeface="Arial" panose="020B0604020202020204" pitchFamily="34" charset="0"/>
+            </a:endParaRPr>
+          </a:p>
+        </p:txBody>
+      </p:sp>
+      <p:sp>
+        <p:nvSpPr>
+          <p:cNvPr id="29" name="TextBox 28">
+            <a:extLst>
+              <a:ext uri="{FF2B5EF4-FFF2-40B4-BE49-F238E27FC236}">
+                <a16:creationId xmlns:a16="http://schemas.microsoft.com/office/drawing/2014/main" id="{924F2281-C1D1-B9DF-6868-8493B1153F7D}"/>
+              </a:ext>
+            </a:extLst>
+          </p:cNvPr>
+          <p:cNvSpPr txBox="1"/>
+          <p:nvPr/>
+        </p:nvSpPr>
+        <p:spPr>
+          <a:xfrm>
+            <a:off x="5847846" y="5041297"/>
+            <a:ext cx="1723156" cy="338554"/>
+          </a:xfrm>
+          <a:prstGeom prst="rect">
+            <a:avLst/>
+          </a:prstGeom>
+          <a:noFill/>
+        </p:spPr>
+        <p:txBody>
+          <a:bodyPr wrap="square">
+            <a:spAutoFit/>
+          </a:bodyPr>
+          <a:lstStyle/>
+          <a:p>
+            <a:r>
+              <a:rPr lang="en-US" altLang="zh-CN" sz="1600" b="0" dirty="0">
+                <a:latin typeface="Arial" panose="020B0604020202020204" pitchFamily="34" charset="0"/>
+                <a:cs typeface="Arial" panose="020B0604020202020204" pitchFamily="34" charset="0"/>
+              </a:rPr>
+              <a:t>Swap 3 and 2</a:t>
+            </a:r>
+            <a:endParaRPr lang="en-SE" sz="1600" b="0" dirty="0">
+              <a:latin typeface="Arial" panose="020B0604020202020204" pitchFamily="34" charset="0"/>
+              <a:cs typeface="Arial" panose="020B0604020202020204" pitchFamily="34" charset="0"/>
+            </a:endParaRPr>
+          </a:p>
+        </p:txBody>
+      </p:sp>
+      <p:graphicFrame>
+        <p:nvGraphicFramePr>
+          <p:cNvPr id="30" name="Content Placeholder 3">
+            <a:extLst>
+              <a:ext uri="{FF2B5EF4-FFF2-40B4-BE49-F238E27FC236}">
+                <a16:creationId xmlns:a16="http://schemas.microsoft.com/office/drawing/2014/main" id="{DB47DD41-C988-025A-B249-BF6FE45714F9}"/>
+              </a:ext>
+            </a:extLst>
+          </p:cNvPr>
+          <p:cNvGraphicFramePr>
+            <a:graphicFrameLocks/>
+          </p:cNvGraphicFramePr>
+          <p:nvPr>
+            <p:extLst>
+              <p:ext uri="{D42A27DB-BD31-4B8C-83A1-F6EECF244321}">
+                <p14:modId xmlns:p14="http://schemas.microsoft.com/office/powerpoint/2010/main" val="1922092979"/>
+              </p:ext>
+            </p:extLst>
+          </p:nvPr>
+        </p:nvGraphicFramePr>
+        <p:xfrm>
+          <a:off x="1450020" y="4867271"/>
+          <a:ext cx="4397826" cy="457200"/>
+        </p:xfrm>
+        <a:graphic>
+          <a:graphicData uri="http://schemas.openxmlformats.org/drawingml/2006/table">
+            <a:tbl>
+              <a:tblPr firstRow="1" bandRow="1">
+                <a:tableStyleId>{5940675A-B579-460E-94D1-54222C63F5DA}</a:tableStyleId>
+              </a:tblPr>
+              <a:tblGrid>
+                <a:gridCol w="732971">
+                  <a:extLst>
+                    <a:ext uri="{9D8B030D-6E8A-4147-A177-3AD203B41FA5}">
+                      <a16:colId xmlns:a16="http://schemas.microsoft.com/office/drawing/2014/main" val="1092347686"/>
+                    </a:ext>
+                  </a:extLst>
+                </a:gridCol>
+                <a:gridCol w="732971">
+                  <a:extLst>
+                    <a:ext uri="{9D8B030D-6E8A-4147-A177-3AD203B41FA5}">
+                      <a16:colId xmlns:a16="http://schemas.microsoft.com/office/drawing/2014/main" val="3808001989"/>
+                    </a:ext>
+                  </a:extLst>
+                </a:gridCol>
+                <a:gridCol w="732971">
+                  <a:extLst>
+                    <a:ext uri="{9D8B030D-6E8A-4147-A177-3AD203B41FA5}">
+                      <a16:colId xmlns:a16="http://schemas.microsoft.com/office/drawing/2014/main" val="1745240979"/>
+                    </a:ext>
+                  </a:extLst>
+                </a:gridCol>
+                <a:gridCol w="732971">
+                  <a:extLst>
+                    <a:ext uri="{9D8B030D-6E8A-4147-A177-3AD203B41FA5}">
+                      <a16:colId xmlns:a16="http://schemas.microsoft.com/office/drawing/2014/main" val="830981527"/>
+                    </a:ext>
+                  </a:extLst>
+                </a:gridCol>
+                <a:gridCol w="732971">
+                  <a:extLst>
+                    <a:ext uri="{9D8B030D-6E8A-4147-A177-3AD203B41FA5}">
+                      <a16:colId xmlns:a16="http://schemas.microsoft.com/office/drawing/2014/main" val="323891662"/>
+                    </a:ext>
+                  </a:extLst>
+                </a:gridCol>
+                <a:gridCol w="732971">
+                  <a:extLst>
+                    <a:ext uri="{9D8B030D-6E8A-4147-A177-3AD203B41FA5}">
+                      <a16:colId xmlns:a16="http://schemas.microsoft.com/office/drawing/2014/main" val="3598847113"/>
+                    </a:ext>
+                  </a:extLst>
+                </a:gridCol>
+              </a:tblGrid>
+              <a:tr h="457200">
+                <a:tc>
+                  <a:txBody>
+                    <a:bodyPr/>
+                    <a:lstStyle/>
+                    <a:p>
+                      <a:pPr algn="ctr"/>
+                      <a:r>
+                        <a:rPr lang="en-US" sz="2000" dirty="0">
+                          <a:solidFill>
+                            <a:schemeClr val="tx1"/>
+                          </a:solidFill>
+                        </a:rPr>
+                        <a:t>0</a:t>
+                      </a:r>
+                      <a:endParaRPr lang="en-SE" sz="2000" dirty="0">
+                        <a:solidFill>
+                          <a:schemeClr val="tx1"/>
+                        </a:solidFill>
+                      </a:endParaRPr>
+                    </a:p>
+                  </a:txBody>
+                  <a:tcPr anchor="ctr"/>
+                </a:tc>
+                <a:tc>
+                  <a:txBody>
+                    <a:bodyPr/>
+                    <a:lstStyle/>
+                    <a:p>
+                      <a:pPr algn="ctr"/>
+                      <a:r>
+                        <a:rPr lang="en-US" sz="2000" dirty="0"/>
+                        <a:t>1</a:t>
+                      </a:r>
+                      <a:endParaRPr lang="en-SE" sz="2000" dirty="0"/>
+                    </a:p>
+                  </a:txBody>
+                  <a:tcPr anchor="ctr"/>
+                </a:tc>
+                <a:tc>
+                  <a:txBody>
+                    <a:bodyPr/>
+                    <a:lstStyle/>
+                    <a:p>
+                      <a:pPr algn="ctr"/>
+                      <a:r>
+                        <a:rPr lang="en-US" sz="2000" dirty="0">
+                          <a:solidFill>
+                            <a:srgbClr val="FF0000"/>
+                          </a:solidFill>
+                        </a:rPr>
+                        <a:t>3</a:t>
+                      </a:r>
+                      <a:endParaRPr lang="en-SE" sz="2000" dirty="0">
+                        <a:solidFill>
+                          <a:srgbClr val="FF0000"/>
+                        </a:solidFill>
+                      </a:endParaRPr>
+                    </a:p>
+                  </a:txBody>
+                  <a:tcPr anchor="ctr"/>
+                </a:tc>
+                <a:tc>
+                  <a:txBody>
+                    <a:bodyPr/>
+                    <a:lstStyle/>
+                    <a:p>
+                      <a:pPr algn="ctr"/>
+                      <a:r>
+                        <a:rPr lang="en-US" sz="2000" dirty="0">
+                          <a:solidFill>
+                            <a:srgbClr val="FF0000"/>
+                          </a:solidFill>
+                        </a:rPr>
+                        <a:t>2</a:t>
+                      </a:r>
+                      <a:endParaRPr lang="en-SE" sz="2000" dirty="0">
+                        <a:solidFill>
+                          <a:srgbClr val="FF0000"/>
+                        </a:solidFill>
+                      </a:endParaRPr>
+                    </a:p>
+                  </a:txBody>
+                  <a:tcPr anchor="ctr"/>
+                </a:tc>
+                <a:tc>
+                  <a:txBody>
+                    <a:bodyPr/>
+                    <a:lstStyle/>
+                    <a:p>
+                      <a:pPr algn="ctr"/>
+                      <a:r>
+                        <a:rPr lang="en-US" sz="2000" dirty="0"/>
+                        <a:t>4</a:t>
+                      </a:r>
+                      <a:endParaRPr lang="en-SE" sz="2000" dirty="0"/>
+                    </a:p>
+                  </a:txBody>
+                  <a:tcPr anchor="ctr"/>
+                </a:tc>
+                <a:tc>
+                  <a:txBody>
+                    <a:bodyPr/>
+                    <a:lstStyle/>
+                    <a:p>
+                      <a:pPr algn="ctr"/>
+                      <a:r>
+                        <a:rPr lang="en-US" sz="2000" dirty="0"/>
+                        <a:t>5</a:t>
+                      </a:r>
+                      <a:endParaRPr lang="en-SE" sz="2000" dirty="0"/>
+                    </a:p>
+                  </a:txBody>
+                  <a:tcPr anchor="ctr"/>
+                </a:tc>
+                <a:extLst>
+                  <a:ext uri="{0D108BD9-81ED-4DB2-BD59-A6C34878D82A}">
+                    <a16:rowId xmlns:a16="http://schemas.microsoft.com/office/drawing/2014/main" val="3643504535"/>
+                  </a:ext>
+                </a:extLst>
+              </a:tr>
+            </a:tbl>
+          </a:graphicData>
+        </a:graphic>
+      </p:graphicFrame>
+      <p:sp>
+        <p:nvSpPr>
+          <p:cNvPr id="32" name="Content Placeholder 2">
+            <a:extLst>
+              <a:ext uri="{FF2B5EF4-FFF2-40B4-BE49-F238E27FC236}">
+                <a16:creationId xmlns:a16="http://schemas.microsoft.com/office/drawing/2014/main" id="{A8BA2FED-980C-1164-307A-6F7CE8491C17}"/>
+              </a:ext>
+            </a:extLst>
+          </p:cNvPr>
+          <p:cNvSpPr txBox="1">
+            <a:spLocks/>
+          </p:cNvSpPr>
+          <p:nvPr/>
+        </p:nvSpPr>
+        <p:spPr bwMode="auto">
+          <a:xfrm>
+            <a:off x="915040" y="1458712"/>
+            <a:ext cx="10566400" cy="1318661"/>
+          </a:xfrm>
+          <a:prstGeom prst="rect">
+            <a:avLst/>
+          </a:prstGeom>
+          <a:noFill/>
+          <a:ln>
+            <a:noFill/>
+          </a:ln>
+          <a:effectLst/>
+          <a:extLst>
+            <a:ext uri="{FAA26D3D-D897-4be2-8F04-BA451C77F1D7}">
+              <ma14:placeholderFlag xmlns:ma14="http://schemas.microsoft.com/office/mac/drawingml/2011/main" xmlns="" val="1"/>
+            </a:ext>
+            <a:ext uri="{909E8E84-426E-40dd-AFC4-6F175D3DCCD1}">
+              <a14:hiddenFill xmlns:a14="http://schemas.microsoft.com/office/drawing/2010/main" xmlns="">
+                <a:solidFill>
+                  <a:schemeClr val="bg1"/>
+                </a:solidFill>
+              </a14:hiddenFill>
+            </a:ext>
+            <a:ext uri="{91240B29-F687-4f45-9708-019B960494DF}">
+              <a14:hiddenLine xmlns:a14="http://schemas.microsoft.com/office/drawing/2010/main" xmlns="" w="12700">
+                <a:pattFill prst="narHorz">
+                  <a:fgClr>
+                    <a:schemeClr val="tx1"/>
+                  </a:fgClr>
+                  <a:bgClr>
+                    <a:schemeClr val="bg1"/>
+                  </a:bgClr>
+                </a:pattFill>
+                <a:miter lim="800000"/>
+                <a:headEnd/>
+                <a:tailEnd/>
+              </a14:hiddenLine>
+            </a:ext>
+            <a:ext uri="{AF507438-7753-43e0-B8FC-AC1667EBCBE1}">
+              <a14:hiddenEffects xmlns:a14="http://schemas.microsoft.com/office/drawing/2010/main" xmlns="">
+                <a:effectLst>
+                  <a:outerShdw blurRad="63500" dist="38099" dir="2700000" algn="ctr" rotWithShape="0">
+                    <a:schemeClr val="bg2">
+                      <a:alpha val="74998"/>
+                    </a:schemeClr>
+                  </a:outerShdw>
+                </a:effectLst>
+              </a14:hiddenEffects>
+            </a:ext>
+          </a:extLst>
+        </p:spPr>
+        <p:txBody>
+          <a:bodyPr vert="horz" wrap="square" lIns="90478" tIns="44445" rIns="90478" bIns="44445" numCol="1" anchor="t" anchorCtr="0" compatLnSpc="1">
+            <a:prstTxWarp prst="textNoShape">
+              <a:avLst/>
+            </a:prstTxWarp>
+            <a:normAutofit/>
+          </a:bodyPr>
+          <a:lstStyle>
+            <a:lvl1pPr marL="285750" indent="-285750" algn="l" rtl="0" eaLnBrk="0" fontAlgn="base" hangingPunct="0">
+              <a:lnSpc>
+                <a:spcPct val="90000"/>
+              </a:lnSpc>
+              <a:spcBef>
+                <a:spcPct val="30000"/>
+              </a:spcBef>
+              <a:spcAft>
+                <a:spcPct val="0"/>
+              </a:spcAft>
+              <a:buSzPct val="100000"/>
+              <a:buChar char="•"/>
+              <a:defRPr sz="2800" b="0" i="0">
+                <a:solidFill>
+                  <a:schemeClr val="tx1"/>
+                </a:solidFill>
+                <a:latin typeface="Gill Sans" panose="020B0502020104020203"/>
+                <a:ea typeface="Gill Sans" panose="020B0502020104020203"/>
+                <a:cs typeface="Gill Sans" panose="020B0502020104020203"/>
+              </a:defRPr>
+            </a:lvl1pPr>
+            <a:lvl2pPr marL="685800" indent="-228600" algn="l" rtl="0" eaLnBrk="0" fontAlgn="base" hangingPunct="0">
+              <a:lnSpc>
+                <a:spcPct val="90000"/>
+              </a:lnSpc>
+              <a:spcBef>
+                <a:spcPct val="30000"/>
+              </a:spcBef>
+              <a:spcAft>
+                <a:spcPct val="0"/>
+              </a:spcAft>
+              <a:buSzPct val="100000"/>
+              <a:buChar char="–"/>
+              <a:defRPr sz="2400" b="0" i="0">
+                <a:solidFill>
+                  <a:schemeClr val="tx1"/>
+                </a:solidFill>
+                <a:latin typeface="Gill Sans" panose="020B0502020104020203"/>
+                <a:ea typeface="Gill Sans" panose="020B0502020104020203"/>
+                <a:cs typeface="Gill Sans" panose="020B0502020104020203"/>
+              </a:defRPr>
+            </a:lvl2pPr>
+            <a:lvl3pPr marL="1143000" indent="-228600" algn="l" rtl="0" eaLnBrk="0" fontAlgn="base" hangingPunct="0">
+              <a:lnSpc>
+                <a:spcPct val="90000"/>
+              </a:lnSpc>
+              <a:spcBef>
+                <a:spcPct val="30000"/>
+              </a:spcBef>
+              <a:spcAft>
+                <a:spcPct val="0"/>
+              </a:spcAft>
+              <a:buSzPct val="100000"/>
+              <a:buChar char="»"/>
+              <a:defRPr sz="2400" b="0" i="0">
+                <a:solidFill>
+                  <a:schemeClr val="tx1"/>
+                </a:solidFill>
+                <a:latin typeface="Gill Sans" panose="020B0502020104020203"/>
+                <a:ea typeface="Gill Sans" panose="020B0502020104020203"/>
+                <a:cs typeface="Gill Sans" panose="020B0502020104020203"/>
+              </a:defRPr>
+            </a:lvl3pPr>
+            <a:lvl4pPr marL="1543050" indent="-171450" algn="l" rtl="0" eaLnBrk="0" fontAlgn="base" hangingPunct="0">
+              <a:lnSpc>
+                <a:spcPct val="90000"/>
+              </a:lnSpc>
+              <a:spcBef>
+                <a:spcPct val="30000"/>
+              </a:spcBef>
+              <a:spcAft>
+                <a:spcPct val="0"/>
+              </a:spcAft>
+              <a:buSzPct val="100000"/>
+              <a:buChar char="•"/>
+              <a:defRPr sz="2400" b="0" i="0">
+                <a:solidFill>
+                  <a:schemeClr val="tx1"/>
+                </a:solidFill>
+                <a:latin typeface="Gill Sans" panose="020B0502020104020203"/>
+                <a:ea typeface="Gill Sans" panose="020B0502020104020203"/>
+                <a:cs typeface="Gill Sans" panose="020B0502020104020203"/>
+              </a:defRPr>
+            </a:lvl4pPr>
+            <a:lvl5pPr marL="2000250" indent="-171450" algn="l" rtl="0" eaLnBrk="0" fontAlgn="base" hangingPunct="0">
+              <a:lnSpc>
+                <a:spcPct val="90000"/>
+              </a:lnSpc>
+              <a:spcBef>
+                <a:spcPct val="30000"/>
+              </a:spcBef>
+              <a:spcAft>
+                <a:spcPct val="0"/>
+              </a:spcAft>
+              <a:buSzPct val="100000"/>
+              <a:buChar char="–"/>
+              <a:defRPr sz="2400" b="0" i="0">
+                <a:solidFill>
+                  <a:schemeClr val="tx1"/>
+                </a:solidFill>
+                <a:latin typeface="Gill Sans" panose="020B0502020104020203"/>
+                <a:ea typeface="Gill Sans" panose="020B0502020104020203"/>
+                <a:cs typeface="Gill Sans" panose="020B0502020104020203"/>
+              </a:defRPr>
+            </a:lvl5pPr>
+            <a:lvl6pPr marL="2457450" indent="-171450" algn="l" rtl="0" eaLnBrk="0" fontAlgn="base" hangingPunct="0">
+              <a:lnSpc>
+                <a:spcPct val="90000"/>
+              </a:lnSpc>
+              <a:spcBef>
+                <a:spcPct val="30000"/>
+              </a:spcBef>
+              <a:spcAft>
+                <a:spcPct val="0"/>
+              </a:spcAft>
+              <a:buSzPct val="100000"/>
+              <a:buChar char="–"/>
+              <a:defRPr sz="2000" b="1">
+                <a:solidFill>
+                  <a:schemeClr val="tx1"/>
+                </a:solidFill>
+                <a:latin typeface="+mn-lt"/>
+              </a:defRPr>
+            </a:lvl6pPr>
+            <a:lvl7pPr marL="2914650" indent="-171450" algn="l" rtl="0" eaLnBrk="0" fontAlgn="base" hangingPunct="0">
+              <a:lnSpc>
+                <a:spcPct val="90000"/>
+              </a:lnSpc>
+              <a:spcBef>
+                <a:spcPct val="30000"/>
+              </a:spcBef>
+              <a:spcAft>
+                <a:spcPct val="0"/>
+              </a:spcAft>
+              <a:buSzPct val="100000"/>
+              <a:buChar char="–"/>
+              <a:defRPr sz="2000" b="1">
+                <a:solidFill>
+                  <a:schemeClr val="tx1"/>
+                </a:solidFill>
+                <a:latin typeface="+mn-lt"/>
+              </a:defRPr>
+            </a:lvl7pPr>
+            <a:lvl8pPr marL="3371850" indent="-171450" algn="l" rtl="0" eaLnBrk="0" fontAlgn="base" hangingPunct="0">
+              <a:lnSpc>
+                <a:spcPct val="90000"/>
+              </a:lnSpc>
+              <a:spcBef>
+                <a:spcPct val="30000"/>
+              </a:spcBef>
+              <a:spcAft>
+                <a:spcPct val="0"/>
+              </a:spcAft>
+              <a:buSzPct val="100000"/>
+              <a:buChar char="–"/>
+              <a:defRPr sz="2000" b="1">
+                <a:solidFill>
+                  <a:schemeClr val="tx1"/>
+                </a:solidFill>
+                <a:latin typeface="+mn-lt"/>
+              </a:defRPr>
+            </a:lvl8pPr>
+            <a:lvl9pPr marL="3829050" indent="-171450" algn="l" rtl="0" eaLnBrk="0" fontAlgn="base" hangingPunct="0">
+              <a:lnSpc>
+                <a:spcPct val="90000"/>
+              </a:lnSpc>
+              <a:spcBef>
+                <a:spcPct val="30000"/>
+              </a:spcBef>
+              <a:spcAft>
+                <a:spcPct val="0"/>
+              </a:spcAft>
+              <a:buSzPct val="100000"/>
+              <a:buChar char="–"/>
+              <a:defRPr sz="2000" b="1">
+                <a:solidFill>
+                  <a:schemeClr val="tx1"/>
+                </a:solidFill>
+                <a:latin typeface="+mn-lt"/>
+              </a:defRPr>
+            </a:lvl9pPr>
+          </a:lstStyle>
+          <a:p>
+            <a:r>
+              <a:rPr lang="en-US" kern="0" dirty="0"/>
+              <a:t>Red numbers indicate remaining subarray to be sorted. In this example, every time the pivot leaves either left or right subarray </a:t>
+            </a:r>
+            <a:r>
+              <a:rPr lang="en-US" kern="0"/>
+              <a:t>as empty, </a:t>
+            </a:r>
+            <a:r>
+              <a:rPr lang="en-US" kern="0" dirty="0"/>
+              <a:t>so only one subarray is left after each step.</a:t>
+            </a:r>
+            <a:endParaRPr lang="en-SE" kern="0" dirty="0"/>
+          </a:p>
+        </p:txBody>
+      </p:sp>
+    </p:spTree>
+    <p:extLst>
+      <p:ext uri="{BB962C8B-B14F-4D97-AF65-F5344CB8AC3E}">
+        <p14:creationId xmlns:p14="http://schemas.microsoft.com/office/powerpoint/2010/main" val="3241084531"/>
+      </p:ext>
+    </p:extLst>
+  </p:cSld>
+  <p:clrMapOvr>
+    <a:masterClrMapping/>
+  </p:clrMapOvr>
+  <p:transition/>
+</p:sld>
+</file>
+
+<file path=ppt/slides/slide8.xml><?xml version="1.0" encoding="utf-8"?>
+<p:sld xmlns:a="http://schemas.openxmlformats.org/drawingml/2006/main" xmlns:r="http://schemas.openxmlformats.org/officeDocument/2006/relationships" xmlns:p="http://schemas.openxmlformats.org/presentationml/2006/main">
+  <p:cSld>
+    <p:spTree>
+      <p:nvGrpSpPr>
+        <p:cNvPr id="1" name=""/>
+        <p:cNvGrpSpPr/>
+        <p:nvPr/>
+      </p:nvGrpSpPr>
+      <p:grpSpPr>
+        <a:xfrm>
+          <a:off x="0" y="0"/>
+          <a:ext cx="0" cy="0"/>
+          <a:chOff x="0" y="0"/>
+          <a:chExt cx="0" cy="0"/>
+        </a:xfrm>
+      </p:grpSpPr>
+      <p:sp>
+        <p:nvSpPr>
+          <p:cNvPr id="2" name="Title 1">
+            <a:extLst>
+              <a:ext uri="{FF2B5EF4-FFF2-40B4-BE49-F238E27FC236}">
+                <a16:creationId xmlns:a16="http://schemas.microsoft.com/office/drawing/2014/main" id="{3DF2CB6C-D4E7-C1F6-2A43-D01B73C0F51E}"/>
+              </a:ext>
+            </a:extLst>
+          </p:cNvPr>
+          <p:cNvSpPr>
+            <a:spLocks noGrp="1"/>
+          </p:cNvSpPr>
+          <p:nvPr>
+            <p:ph type="title"/>
+          </p:nvPr>
+        </p:nvSpPr>
+        <p:spPr/>
+        <p:txBody>
+          <a:bodyPr/>
+          <a:lstStyle/>
+          <a:p>
+            <a:r>
+              <a:rPr lang="en-GB" dirty="0"/>
+              <a:t>Q. Quick Sort ANS</a:t>
+            </a:r>
+            <a:endParaRPr lang="en-SE" dirty="0"/>
+          </a:p>
+        </p:txBody>
+      </p:sp>
+      <p:sp>
+        <p:nvSpPr>
+          <p:cNvPr id="3" name="Content Placeholder 2">
+            <a:extLst>
+              <a:ext uri="{FF2B5EF4-FFF2-40B4-BE49-F238E27FC236}">
+                <a16:creationId xmlns:a16="http://schemas.microsoft.com/office/drawing/2014/main" id="{E7B1399D-F84D-F8D3-7403-8C6D8EE8A745}"/>
+              </a:ext>
+            </a:extLst>
+          </p:cNvPr>
+          <p:cNvSpPr>
+            <a:spLocks noGrp="1"/>
+          </p:cNvSpPr>
+          <p:nvPr>
+            <p:ph idx="1"/>
+          </p:nvPr>
+        </p:nvSpPr>
+        <p:spPr/>
+        <p:txBody>
+          <a:bodyPr>
+            <a:normAutofit lnSpcReduction="10000"/>
+          </a:bodyPr>
+          <a:lstStyle/>
+          <a:p>
+            <a:endParaRPr lang="en-SE" dirty="0"/>
+          </a:p>
+        </p:txBody>
+      </p:sp>
+      <p:sp>
+        <p:nvSpPr>
+          <p:cNvPr id="35" name="Oval 5">
+            <a:extLst>
+              <a:ext uri="{FF2B5EF4-FFF2-40B4-BE49-F238E27FC236}">
+                <a16:creationId xmlns:a16="http://schemas.microsoft.com/office/drawing/2014/main" id="{B9E6272F-BDB2-C481-258D-DDDEAE44B2E4}"/>
+              </a:ext>
+            </a:extLst>
+          </p:cNvPr>
+          <p:cNvSpPr>
+            <a:spLocks noChangeArrowheads="1"/>
+          </p:cNvSpPr>
+          <p:nvPr/>
+        </p:nvSpPr>
+        <p:spPr bwMode="auto">
+          <a:xfrm>
+            <a:off x="5486400" y="1371600"/>
+            <a:ext cx="533400" cy="533400"/>
+          </a:xfrm>
+          <a:prstGeom prst="ellipse">
+            <a:avLst/>
+          </a:prstGeom>
+          <a:solidFill>
+            <a:schemeClr val="bg1"/>
+          </a:solidFill>
+          <a:ln w="9525">
+            <a:solidFill>
+              <a:schemeClr val="tx1"/>
+            </a:solidFill>
+            <a:round/>
+            <a:headEnd/>
+            <a:tailEnd/>
+          </a:ln>
+          <a:effectLst/>
+          <a:extLst>
+            <a:ext uri="{AF507438-7753-43E0-B8FC-AC1667EBCBE1}">
+              <a14:hiddenEffects xmlns:a14="http://schemas.microsoft.com/office/drawing/2010/main">
+                <a:effectLst>
+                  <a:outerShdw dist="35921" dir="2700000" algn="ctr" rotWithShape="0">
+                    <a:schemeClr val="bg2"/>
+                  </a:outerShdw>
+                </a:effectLst>
+              </a14:hiddenEffects>
+            </a:ext>
+          </a:extLst>
+        </p:spPr>
+        <p:txBody>
+          <a:bodyPr wrap="none" anchor="ctr"/>
+          <a:lstStyle/>
+          <a:p>
+            <a:pPr fontAlgn="base">
+              <a:spcBef>
+                <a:spcPct val="0"/>
+              </a:spcBef>
+              <a:spcAft>
+                <a:spcPct val="0"/>
+              </a:spcAft>
+              <a:buClrTx/>
+              <a:defRPr/>
+            </a:pPr>
+            <a:r>
+              <a:rPr lang="en-GB" sz="2400" dirty="0">
+                <a:latin typeface="Arial" panose="020B0604020202020204" pitchFamily="34" charset="0"/>
+              </a:rPr>
+              <a:t>5</a:t>
+            </a:r>
+            <a:endParaRPr lang="en-SE" sz="2400" dirty="0">
+              <a:latin typeface="Arial" panose="020B0604020202020204" pitchFamily="34" charset="0"/>
+            </a:endParaRPr>
+          </a:p>
+        </p:txBody>
+      </p:sp>
+      <p:sp>
+        <p:nvSpPr>
+          <p:cNvPr id="36" name="Oval 8">
+            <a:extLst>
+              <a:ext uri="{FF2B5EF4-FFF2-40B4-BE49-F238E27FC236}">
+                <a16:creationId xmlns:a16="http://schemas.microsoft.com/office/drawing/2014/main" id="{6DDC9DBC-310A-D075-E9B4-8BCEEB3681BE}"/>
+              </a:ext>
+            </a:extLst>
+          </p:cNvPr>
+          <p:cNvSpPr>
+            <a:spLocks noChangeArrowheads="1"/>
+          </p:cNvSpPr>
+          <p:nvPr/>
+        </p:nvSpPr>
+        <p:spPr bwMode="auto">
+          <a:xfrm>
+            <a:off x="4935280" y="2133600"/>
+            <a:ext cx="533400" cy="533400"/>
+          </a:xfrm>
+          <a:prstGeom prst="ellipse">
+            <a:avLst/>
+          </a:prstGeom>
+          <a:solidFill>
+            <a:schemeClr val="bg1"/>
+          </a:solidFill>
+          <a:ln w="9525">
+            <a:solidFill>
+              <a:schemeClr val="tx1"/>
+            </a:solidFill>
+            <a:round/>
+            <a:headEnd/>
+            <a:tailEnd/>
+          </a:ln>
+          <a:effectLst/>
+          <a:extLst>
+            <a:ext uri="{AF507438-7753-43E0-B8FC-AC1667EBCBE1}">
+              <a14:hiddenEffects xmlns:a14="http://schemas.microsoft.com/office/drawing/2010/main">
+                <a:effectLst>
+                  <a:outerShdw dist="35921" dir="2700000" algn="ctr" rotWithShape="0">
+                    <a:schemeClr val="bg2"/>
+                  </a:outerShdw>
+                </a:effectLst>
+              </a14:hiddenEffects>
+            </a:ext>
+          </a:extLst>
+        </p:spPr>
+        <p:txBody>
+          <a:bodyPr wrap="none" anchor="ctr"/>
+          <a:lstStyle/>
+          <a:p>
+            <a:pPr fontAlgn="base">
+              <a:spcBef>
+                <a:spcPct val="0"/>
+              </a:spcBef>
+              <a:spcAft>
+                <a:spcPct val="0"/>
+              </a:spcAft>
+              <a:buClrTx/>
+              <a:defRPr/>
+            </a:pPr>
+            <a:r>
+              <a:rPr lang="en-GB" sz="2400" dirty="0">
+                <a:latin typeface="Arial" panose="020B0604020202020204" pitchFamily="34" charset="0"/>
+              </a:rPr>
+              <a:t>0</a:t>
+            </a:r>
+            <a:endParaRPr lang="en-SE" sz="2400" dirty="0">
+              <a:latin typeface="Arial" panose="020B0604020202020204" pitchFamily="34" charset="0"/>
+            </a:endParaRPr>
+          </a:p>
+        </p:txBody>
+      </p:sp>
+      <p:sp>
+        <p:nvSpPr>
+          <p:cNvPr id="37" name="Line 19">
+            <a:extLst>
+              <a:ext uri="{FF2B5EF4-FFF2-40B4-BE49-F238E27FC236}">
+                <a16:creationId xmlns:a16="http://schemas.microsoft.com/office/drawing/2014/main" id="{022424FC-892A-1F32-31C2-9CEA1A06A1F8}"/>
+              </a:ext>
+            </a:extLst>
+          </p:cNvPr>
+          <p:cNvSpPr>
+            <a:spLocks noChangeShapeType="1"/>
+          </p:cNvSpPr>
+          <p:nvPr/>
+        </p:nvSpPr>
+        <p:spPr bwMode="auto">
+          <a:xfrm flipH="1">
+            <a:off x="5333999" y="1860542"/>
+            <a:ext cx="278572" cy="302901"/>
+          </a:xfrm>
+          <a:prstGeom prst="line">
+            <a:avLst/>
+          </a:prstGeom>
+          <a:ln w="19050" cap="flat" cmpd="sng" algn="ctr">
+            <a:solidFill>
+              <a:schemeClr val="dk1"/>
+            </a:solidFill>
+            <a:prstDash val="solid"/>
+            <a:round/>
+            <a:headEnd type="none" w="med" len="med"/>
+            <a:tailEnd type="none" w="med" len="med"/>
+          </a:ln>
+        </p:spPr>
+        <p:style>
+          <a:lnRef idx="0">
+            <a:scrgbClr r="0" g="0" b="0"/>
+          </a:lnRef>
+          <a:fillRef idx="0">
+            <a:scrgbClr r="0" g="0" b="0"/>
+          </a:fillRef>
+          <a:effectRef idx="0">
+            <a:scrgbClr r="0" g="0" b="0"/>
+          </a:effectRef>
+          <a:fontRef idx="minor">
+            <a:schemeClr val="tx1"/>
+          </a:fontRef>
+        </p:style>
+        <p:txBody>
+          <a:bodyPr/>
+          <a:lstStyle/>
+          <a:p>
+            <a:pPr fontAlgn="base">
+              <a:spcBef>
+                <a:spcPct val="0"/>
+              </a:spcBef>
+              <a:spcAft>
+                <a:spcPct val="0"/>
+              </a:spcAft>
+              <a:buClrTx/>
+              <a:defRPr/>
+            </a:pPr>
+            <a:endParaRPr lang="en-SE" sz="1800" dirty="0">
+              <a:solidFill>
+                <a:srgbClr val="000000"/>
+              </a:solidFill>
+              <a:latin typeface="Arial" panose="020B0604020202020204" pitchFamily="34" charset="0"/>
+            </a:endParaRPr>
+          </a:p>
+        </p:txBody>
+      </p:sp>
+      <p:sp>
+        <p:nvSpPr>
+          <p:cNvPr id="39" name="Oval 8">
+            <a:extLst>
+              <a:ext uri="{FF2B5EF4-FFF2-40B4-BE49-F238E27FC236}">
+                <a16:creationId xmlns:a16="http://schemas.microsoft.com/office/drawing/2014/main" id="{26136080-0C8D-652A-1C77-C0D2848BF268}"/>
+              </a:ext>
+            </a:extLst>
+          </p:cNvPr>
+          <p:cNvSpPr>
+            <a:spLocks noChangeArrowheads="1"/>
+          </p:cNvSpPr>
+          <p:nvPr/>
+        </p:nvSpPr>
+        <p:spPr bwMode="auto">
+          <a:xfrm>
+            <a:off x="4854170" y="3612586"/>
+            <a:ext cx="533400" cy="533400"/>
+          </a:xfrm>
+          <a:prstGeom prst="ellipse">
+            <a:avLst/>
+          </a:prstGeom>
+          <a:solidFill>
+            <a:schemeClr val="bg1"/>
+          </a:solidFill>
+          <a:ln w="9525">
+            <a:solidFill>
+              <a:schemeClr val="tx1"/>
+            </a:solidFill>
+            <a:round/>
+            <a:headEnd/>
+            <a:tailEnd/>
+          </a:ln>
+          <a:effectLst/>
+          <a:extLst>
+            <a:ext uri="{AF507438-7753-43E0-B8FC-AC1667EBCBE1}">
+              <a14:hiddenEffects xmlns:a14="http://schemas.microsoft.com/office/drawing/2010/main">
+                <a:effectLst>
+                  <a:outerShdw dist="35921" dir="2700000" algn="ctr" rotWithShape="0">
+                    <a:schemeClr val="bg2"/>
+                  </a:outerShdw>
+                </a:effectLst>
+              </a14:hiddenEffects>
+            </a:ext>
+          </a:extLst>
+        </p:spPr>
+        <p:txBody>
+          <a:bodyPr wrap="none" anchor="ctr"/>
+          <a:lstStyle/>
+          <a:p>
+            <a:pPr fontAlgn="base">
+              <a:spcBef>
+                <a:spcPct val="0"/>
+              </a:spcBef>
+              <a:spcAft>
+                <a:spcPct val="0"/>
+              </a:spcAft>
+              <a:buClrTx/>
+              <a:defRPr/>
+            </a:pPr>
+            <a:r>
+              <a:rPr lang="en-GB" sz="2400" dirty="0">
+                <a:latin typeface="Arial" panose="020B0604020202020204" pitchFamily="34" charset="0"/>
+              </a:rPr>
+              <a:t>1</a:t>
+            </a:r>
+            <a:endParaRPr lang="en-SE" sz="2400" dirty="0">
+              <a:latin typeface="Arial" panose="020B0604020202020204" pitchFamily="34" charset="0"/>
+            </a:endParaRPr>
+          </a:p>
+        </p:txBody>
+      </p:sp>
+      <p:sp>
+        <p:nvSpPr>
+          <p:cNvPr id="41" name="Line 19">
+            <a:extLst>
+              <a:ext uri="{FF2B5EF4-FFF2-40B4-BE49-F238E27FC236}">
+                <a16:creationId xmlns:a16="http://schemas.microsoft.com/office/drawing/2014/main" id="{85EC6E50-DC01-089C-E378-AAA84F6C8602}"/>
+              </a:ext>
+            </a:extLst>
+          </p:cNvPr>
+          <p:cNvSpPr>
+            <a:spLocks noChangeShapeType="1"/>
+          </p:cNvSpPr>
+          <p:nvPr/>
+        </p:nvSpPr>
+        <p:spPr bwMode="auto">
+          <a:xfrm flipH="1">
+            <a:off x="5299685" y="3354142"/>
+            <a:ext cx="278571" cy="349258"/>
+          </a:xfrm>
+          <a:prstGeom prst="line">
+            <a:avLst/>
+          </a:prstGeom>
+          <a:ln w="19050" cap="flat" cmpd="sng" algn="ctr">
+            <a:solidFill>
+              <a:schemeClr val="dk1"/>
+            </a:solidFill>
+            <a:prstDash val="solid"/>
+            <a:round/>
+            <a:headEnd type="none" w="med" len="med"/>
+            <a:tailEnd type="none" w="med" len="med"/>
+          </a:ln>
+        </p:spPr>
+        <p:style>
+          <a:lnRef idx="0">
+            <a:scrgbClr r="0" g="0" b="0"/>
+          </a:lnRef>
+          <a:fillRef idx="0">
+            <a:scrgbClr r="0" g="0" b="0"/>
+          </a:fillRef>
+          <a:effectRef idx="0">
+            <a:scrgbClr r="0" g="0" b="0"/>
+          </a:effectRef>
+          <a:fontRef idx="minor">
+            <a:schemeClr val="tx1"/>
+          </a:fontRef>
+        </p:style>
+        <p:txBody>
+          <a:bodyPr/>
+          <a:lstStyle/>
+          <a:p>
+            <a:pPr fontAlgn="base">
+              <a:spcBef>
+                <a:spcPct val="0"/>
+              </a:spcBef>
+              <a:spcAft>
+                <a:spcPct val="0"/>
+              </a:spcAft>
+              <a:buClrTx/>
+              <a:defRPr/>
+            </a:pPr>
+            <a:endParaRPr lang="en-SE" sz="1800" dirty="0">
+              <a:solidFill>
+                <a:srgbClr val="000000"/>
+              </a:solidFill>
+              <a:latin typeface="Arial" panose="020B0604020202020204" pitchFamily="34" charset="0"/>
+            </a:endParaRPr>
+          </a:p>
+        </p:txBody>
+      </p:sp>
+      <p:sp>
+        <p:nvSpPr>
+          <p:cNvPr id="42" name="Oval 8">
+            <a:extLst>
+              <a:ext uri="{FF2B5EF4-FFF2-40B4-BE49-F238E27FC236}">
+                <a16:creationId xmlns:a16="http://schemas.microsoft.com/office/drawing/2014/main" id="{94F8888F-8ECC-BDAA-0BF2-0946C44D9CC0}"/>
+              </a:ext>
+            </a:extLst>
+          </p:cNvPr>
+          <p:cNvSpPr>
+            <a:spLocks noChangeArrowheads="1"/>
+          </p:cNvSpPr>
+          <p:nvPr/>
+        </p:nvSpPr>
+        <p:spPr bwMode="auto">
+          <a:xfrm>
+            <a:off x="5486400" y="2884054"/>
+            <a:ext cx="533400" cy="533400"/>
+          </a:xfrm>
+          <a:prstGeom prst="ellipse">
+            <a:avLst/>
+          </a:prstGeom>
+          <a:solidFill>
+            <a:schemeClr val="bg1"/>
+          </a:solidFill>
+          <a:ln w="9525">
+            <a:solidFill>
+              <a:schemeClr val="tx1"/>
+            </a:solidFill>
+            <a:round/>
+            <a:headEnd/>
+            <a:tailEnd/>
+          </a:ln>
+          <a:effectLst/>
+          <a:extLst>
+            <a:ext uri="{AF507438-7753-43E0-B8FC-AC1667EBCBE1}">
+              <a14:hiddenEffects xmlns:a14="http://schemas.microsoft.com/office/drawing/2010/main">
+                <a:effectLst>
+                  <a:outerShdw dist="35921" dir="2700000" algn="ctr" rotWithShape="0">
+                    <a:schemeClr val="bg2"/>
+                  </a:outerShdw>
+                </a:effectLst>
+              </a14:hiddenEffects>
+            </a:ext>
+          </a:extLst>
+        </p:spPr>
+        <p:txBody>
+          <a:bodyPr wrap="none" anchor="ctr"/>
+          <a:lstStyle/>
+          <a:p>
+            <a:pPr fontAlgn="base">
+              <a:spcBef>
+                <a:spcPct val="0"/>
+              </a:spcBef>
+              <a:spcAft>
+                <a:spcPct val="0"/>
+              </a:spcAft>
+              <a:buClrTx/>
+              <a:defRPr/>
+            </a:pPr>
+            <a:r>
+              <a:rPr lang="en-GB" sz="2400" dirty="0">
+                <a:latin typeface="Arial" panose="020B0604020202020204" pitchFamily="34" charset="0"/>
+              </a:rPr>
+              <a:t>4</a:t>
+            </a:r>
+            <a:endParaRPr lang="en-SE" sz="2400" dirty="0">
+              <a:latin typeface="Arial" panose="020B0604020202020204" pitchFamily="34" charset="0"/>
+            </a:endParaRPr>
+          </a:p>
+        </p:txBody>
+      </p:sp>
+      <p:sp>
+        <p:nvSpPr>
+          <p:cNvPr id="43" name="Line 19">
+            <a:extLst>
+              <a:ext uri="{FF2B5EF4-FFF2-40B4-BE49-F238E27FC236}">
+                <a16:creationId xmlns:a16="http://schemas.microsoft.com/office/drawing/2014/main" id="{91D91243-BB22-9D5D-044C-C7E27A374A30}"/>
+              </a:ext>
+            </a:extLst>
+          </p:cNvPr>
+          <p:cNvSpPr>
+            <a:spLocks noChangeShapeType="1"/>
+          </p:cNvSpPr>
+          <p:nvPr/>
+        </p:nvSpPr>
+        <p:spPr bwMode="auto">
+          <a:xfrm>
+            <a:off x="5387571" y="2638084"/>
+            <a:ext cx="223720" cy="258372"/>
+          </a:xfrm>
+          <a:prstGeom prst="line">
+            <a:avLst/>
+          </a:prstGeom>
+          <a:ln w="19050" cap="flat" cmpd="sng" algn="ctr">
+            <a:solidFill>
+              <a:schemeClr val="dk1"/>
+            </a:solidFill>
+            <a:prstDash val="solid"/>
+            <a:round/>
+            <a:headEnd type="none" w="med" len="med"/>
+            <a:tailEnd type="none" w="med" len="med"/>
+          </a:ln>
+        </p:spPr>
+        <p:style>
+          <a:lnRef idx="0">
+            <a:scrgbClr r="0" g="0" b="0"/>
+          </a:lnRef>
+          <a:fillRef idx="0">
+            <a:scrgbClr r="0" g="0" b="0"/>
+          </a:fillRef>
+          <a:effectRef idx="0">
+            <a:scrgbClr r="0" g="0" b="0"/>
+          </a:effectRef>
+          <a:fontRef idx="minor">
+            <a:schemeClr val="tx1"/>
+          </a:fontRef>
+        </p:style>
+        <p:txBody>
+          <a:bodyPr/>
+          <a:lstStyle/>
+          <a:p>
+            <a:pPr fontAlgn="base">
+              <a:spcBef>
+                <a:spcPct val="0"/>
+              </a:spcBef>
+              <a:spcAft>
+                <a:spcPct val="0"/>
+              </a:spcAft>
+              <a:buClrTx/>
+              <a:defRPr/>
+            </a:pPr>
+            <a:endParaRPr lang="en-SE" sz="1800" dirty="0">
+              <a:solidFill>
+                <a:srgbClr val="000000"/>
+              </a:solidFill>
+              <a:latin typeface="Arial" panose="020B0604020202020204" pitchFamily="34" charset="0"/>
+            </a:endParaRPr>
+          </a:p>
+        </p:txBody>
+      </p:sp>
+      <p:sp>
+        <p:nvSpPr>
+          <p:cNvPr id="46" name="Oval 8">
+            <a:extLst>
+              <a:ext uri="{FF2B5EF4-FFF2-40B4-BE49-F238E27FC236}">
+                <a16:creationId xmlns:a16="http://schemas.microsoft.com/office/drawing/2014/main" id="{A36128A9-9AB8-5B21-2814-DF8A12EABE75}"/>
+              </a:ext>
+            </a:extLst>
+          </p:cNvPr>
+          <p:cNvSpPr>
+            <a:spLocks noChangeArrowheads="1"/>
+          </p:cNvSpPr>
+          <p:nvPr/>
+        </p:nvSpPr>
+        <p:spPr bwMode="auto">
+          <a:xfrm>
+            <a:off x="5422161" y="4311100"/>
+            <a:ext cx="533400" cy="533400"/>
+          </a:xfrm>
+          <a:prstGeom prst="ellipse">
+            <a:avLst/>
+          </a:prstGeom>
+          <a:solidFill>
+            <a:schemeClr val="bg1"/>
+          </a:solidFill>
+          <a:ln w="9525">
+            <a:solidFill>
+              <a:schemeClr val="tx1"/>
+            </a:solidFill>
+            <a:round/>
+            <a:headEnd/>
+            <a:tailEnd/>
+          </a:ln>
+          <a:effectLst/>
+          <a:extLst>
+            <a:ext uri="{AF507438-7753-43E0-B8FC-AC1667EBCBE1}">
+              <a14:hiddenEffects xmlns:a14="http://schemas.microsoft.com/office/drawing/2010/main">
+                <a:effectLst>
+                  <a:outerShdw dist="35921" dir="2700000" algn="ctr" rotWithShape="0">
+                    <a:schemeClr val="bg2"/>
+                  </a:outerShdw>
+                </a:effectLst>
+              </a14:hiddenEffects>
+            </a:ext>
+          </a:extLst>
+        </p:spPr>
+        <p:txBody>
+          <a:bodyPr wrap="none" anchor="ctr"/>
+          <a:lstStyle/>
+          <a:p>
+            <a:pPr fontAlgn="base">
+              <a:spcBef>
+                <a:spcPct val="0"/>
+              </a:spcBef>
+              <a:spcAft>
+                <a:spcPct val="0"/>
+              </a:spcAft>
+              <a:buClrTx/>
+              <a:defRPr/>
+            </a:pPr>
+            <a:r>
+              <a:rPr lang="en-GB" sz="2400" dirty="0">
+                <a:latin typeface="Arial" panose="020B0604020202020204" pitchFamily="34" charset="0"/>
+              </a:rPr>
+              <a:t>3</a:t>
+            </a:r>
+            <a:endParaRPr lang="en-SE" sz="2400" dirty="0">
+              <a:latin typeface="Arial" panose="020B0604020202020204" pitchFamily="34" charset="0"/>
+            </a:endParaRPr>
+          </a:p>
+        </p:txBody>
+      </p:sp>
+      <p:sp>
+        <p:nvSpPr>
+          <p:cNvPr id="47" name="Line 19">
+            <a:extLst>
+              <a:ext uri="{FF2B5EF4-FFF2-40B4-BE49-F238E27FC236}">
+                <a16:creationId xmlns:a16="http://schemas.microsoft.com/office/drawing/2014/main" id="{BB86D91D-1667-B9A1-9D7A-7964B2DB31B7}"/>
+              </a:ext>
+            </a:extLst>
+          </p:cNvPr>
+          <p:cNvSpPr>
+            <a:spLocks noChangeShapeType="1"/>
+          </p:cNvSpPr>
+          <p:nvPr/>
+        </p:nvSpPr>
+        <p:spPr bwMode="auto">
+          <a:xfrm>
+            <a:off x="5332719" y="4020914"/>
+            <a:ext cx="278571" cy="290186"/>
+          </a:xfrm>
+          <a:prstGeom prst="line">
+            <a:avLst/>
+          </a:prstGeom>
+          <a:ln w="19050" cap="flat" cmpd="sng" algn="ctr">
+            <a:solidFill>
+              <a:schemeClr val="dk1"/>
+            </a:solidFill>
+            <a:prstDash val="solid"/>
+            <a:round/>
+            <a:headEnd type="none" w="med" len="med"/>
+            <a:tailEnd type="none" w="med" len="med"/>
+          </a:ln>
+        </p:spPr>
+        <p:style>
+          <a:lnRef idx="0">
+            <a:scrgbClr r="0" g="0" b="0"/>
+          </a:lnRef>
+          <a:fillRef idx="0">
+            <a:scrgbClr r="0" g="0" b="0"/>
+          </a:fillRef>
+          <a:effectRef idx="0">
+            <a:scrgbClr r="0" g="0" b="0"/>
+          </a:effectRef>
+          <a:fontRef idx="minor">
+            <a:schemeClr val="tx1"/>
+          </a:fontRef>
+        </p:style>
+        <p:txBody>
+          <a:bodyPr/>
+          <a:lstStyle/>
+          <a:p>
+            <a:pPr fontAlgn="base">
+              <a:spcBef>
+                <a:spcPct val="0"/>
+              </a:spcBef>
+              <a:spcAft>
+                <a:spcPct val="0"/>
+              </a:spcAft>
+              <a:buClrTx/>
+              <a:defRPr/>
+            </a:pPr>
+            <a:endParaRPr lang="en-SE" sz="1800" dirty="0">
+              <a:solidFill>
+                <a:srgbClr val="000000"/>
+              </a:solidFill>
+              <a:latin typeface="Arial" panose="020B0604020202020204" pitchFamily="34" charset="0"/>
+            </a:endParaRPr>
+          </a:p>
+        </p:txBody>
+      </p:sp>
+      <p:sp>
+        <p:nvSpPr>
+          <p:cNvPr id="48" name="Oval 8">
+            <a:extLst>
+              <a:ext uri="{FF2B5EF4-FFF2-40B4-BE49-F238E27FC236}">
+                <a16:creationId xmlns:a16="http://schemas.microsoft.com/office/drawing/2014/main" id="{B9212E58-3545-849D-F29E-D8A0F8FAE8CA}"/>
+              </a:ext>
+            </a:extLst>
+          </p:cNvPr>
+          <p:cNvSpPr>
+            <a:spLocks noChangeArrowheads="1"/>
+          </p:cNvSpPr>
+          <p:nvPr/>
+        </p:nvSpPr>
+        <p:spPr bwMode="auto">
+          <a:xfrm>
+            <a:off x="4766864" y="5044185"/>
+            <a:ext cx="533400" cy="533400"/>
+          </a:xfrm>
+          <a:prstGeom prst="ellipse">
+            <a:avLst/>
+          </a:prstGeom>
+          <a:solidFill>
+            <a:schemeClr val="bg1"/>
+          </a:solidFill>
+          <a:ln w="9525">
+            <a:solidFill>
+              <a:schemeClr val="tx1"/>
+            </a:solidFill>
+            <a:round/>
+            <a:headEnd/>
+            <a:tailEnd/>
+          </a:ln>
+          <a:effectLst/>
+          <a:extLst>
+            <a:ext uri="{AF507438-7753-43E0-B8FC-AC1667EBCBE1}">
+              <a14:hiddenEffects xmlns:a14="http://schemas.microsoft.com/office/drawing/2010/main">
+                <a:effectLst>
+                  <a:outerShdw dist="35921" dir="2700000" algn="ctr" rotWithShape="0">
+                    <a:schemeClr val="bg2"/>
+                  </a:outerShdw>
+                </a:effectLst>
+              </a14:hiddenEffects>
+            </a:ext>
+          </a:extLst>
+        </p:spPr>
+        <p:txBody>
+          <a:bodyPr wrap="none" anchor="ctr"/>
+          <a:lstStyle/>
+          <a:p>
+            <a:pPr fontAlgn="base">
+              <a:spcBef>
+                <a:spcPct val="0"/>
+              </a:spcBef>
+              <a:spcAft>
+                <a:spcPct val="0"/>
+              </a:spcAft>
+              <a:buClrTx/>
+              <a:defRPr/>
+            </a:pPr>
+            <a:r>
+              <a:rPr lang="en-GB" sz="2400" dirty="0">
+                <a:latin typeface="Arial" panose="020B0604020202020204" pitchFamily="34" charset="0"/>
+              </a:rPr>
+              <a:t>2</a:t>
+            </a:r>
+            <a:endParaRPr lang="en-SE" sz="2400" dirty="0">
+              <a:latin typeface="Arial" panose="020B0604020202020204" pitchFamily="34" charset="0"/>
+            </a:endParaRPr>
+          </a:p>
+        </p:txBody>
+      </p:sp>
+      <p:sp>
+        <p:nvSpPr>
+          <p:cNvPr id="49" name="Line 19">
+            <a:extLst>
+              <a:ext uri="{FF2B5EF4-FFF2-40B4-BE49-F238E27FC236}">
+                <a16:creationId xmlns:a16="http://schemas.microsoft.com/office/drawing/2014/main" id="{7F442A91-7992-B16E-2F87-B3FBAE9A3A1D}"/>
+              </a:ext>
+            </a:extLst>
+          </p:cNvPr>
+          <p:cNvSpPr>
+            <a:spLocks noChangeShapeType="1"/>
+          </p:cNvSpPr>
+          <p:nvPr/>
+        </p:nvSpPr>
+        <p:spPr bwMode="auto">
+          <a:xfrm flipH="1">
+            <a:off x="5212379" y="4785741"/>
+            <a:ext cx="278571" cy="349258"/>
+          </a:xfrm>
+          <a:prstGeom prst="line">
+            <a:avLst/>
+          </a:prstGeom>
+          <a:ln w="19050" cap="flat" cmpd="sng" algn="ctr">
+            <a:solidFill>
+              <a:schemeClr val="dk1"/>
+            </a:solidFill>
+            <a:prstDash val="solid"/>
+            <a:round/>
+            <a:headEnd type="none" w="med" len="med"/>
+            <a:tailEnd type="none" w="med" len="med"/>
+          </a:ln>
+        </p:spPr>
+        <p:style>
+          <a:lnRef idx="0">
+            <a:scrgbClr r="0" g="0" b="0"/>
+          </a:lnRef>
+          <a:fillRef idx="0">
+            <a:scrgbClr r="0" g="0" b="0"/>
+          </a:fillRef>
+          <a:effectRef idx="0">
+            <a:scrgbClr r="0" g="0" b="0"/>
+          </a:effectRef>
+          <a:fontRef idx="minor">
+            <a:schemeClr val="tx1"/>
+          </a:fontRef>
+        </p:style>
+        <p:txBody>
+          <a:bodyPr/>
+          <a:lstStyle/>
+          <a:p>
+            <a:pPr fontAlgn="base">
+              <a:spcBef>
+                <a:spcPct val="0"/>
+              </a:spcBef>
+              <a:spcAft>
+                <a:spcPct val="0"/>
+              </a:spcAft>
+              <a:buClrTx/>
+              <a:defRPr/>
+            </a:pPr>
+            <a:endParaRPr lang="en-SE" sz="1800" dirty="0">
+              <a:solidFill>
+                <a:srgbClr val="000000"/>
+              </a:solidFill>
+              <a:latin typeface="Arial" panose="020B0604020202020204" pitchFamily="34" charset="0"/>
+            </a:endParaRPr>
+          </a:p>
+        </p:txBody>
+      </p:sp>
+      <p:sp>
+        <p:nvSpPr>
+          <p:cNvPr id="4" name="TextBox 3">
+            <a:extLst>
+              <a:ext uri="{FF2B5EF4-FFF2-40B4-BE49-F238E27FC236}">
+                <a16:creationId xmlns:a16="http://schemas.microsoft.com/office/drawing/2014/main" id="{5179CC82-6C33-F094-D388-50966FDC8E43}"/>
+              </a:ext>
+            </a:extLst>
+          </p:cNvPr>
+          <p:cNvSpPr txBox="1"/>
+          <p:nvPr/>
+        </p:nvSpPr>
+        <p:spPr>
+          <a:xfrm>
+            <a:off x="3887451" y="5802365"/>
+            <a:ext cx="2890535" cy="461665"/>
+          </a:xfrm>
+          <a:prstGeom prst="rect">
+            <a:avLst/>
+          </a:prstGeom>
+          <a:noFill/>
+        </p:spPr>
+        <p:txBody>
+          <a:bodyPr wrap="none" rtlCol="0">
+            <a:spAutoFit/>
+          </a:bodyPr>
+          <a:lstStyle/>
+          <a:p>
+            <a:r>
+              <a:rPr lang="en-GB" sz="2400" dirty="0"/>
+              <a:t>Corresponding BST</a:t>
+            </a:r>
+            <a:endParaRPr lang="en-SE" sz="2400" dirty="0"/>
+          </a:p>
+        </p:txBody>
+      </p:sp>
+    </p:spTree>
+    <p:extLst>
+      <p:ext uri="{BB962C8B-B14F-4D97-AF65-F5344CB8AC3E}">
+        <p14:creationId xmlns:p14="http://schemas.microsoft.com/office/powerpoint/2010/main" val="3606928194"/>
+      </p:ext>
+    </p:extLst>
+  </p:cSld>
+  <p:clrMapOvr>
+    <a:masterClrMapping/>
+  </p:clrMapOvr>
+  <p:transition/>
+</p:sld>
+</file>
+
 <file path=ppt/theme/theme1.xml><?xml version="1.0" encoding="utf-8"?>
 <a:theme xmlns:a="http://schemas.openxmlformats.org/drawingml/2006/main" name="Integral">
   <a:themeElements>

--- a/PPTs/Lecture 15-sorting Exercises ANS.pptx
+++ b/PPTs/Lecture 15-sorting Exercises ANS.pptx
@@ -12472,7 +12472,7 @@
           <a:effectLst/>
           <a:extLst>
             <a:ext uri="{AF507438-7753-43e0-B8FC-AC1667EBCBE1}">
-              <a14:hiddenEffects xmlns="" xmlns:a14="http://schemas.microsoft.com/office/drawing/2010/main">
+              <a14:hiddenEffects xmlns:a14="http://schemas.microsoft.com/office/drawing/2010/main" xmlns="">
                 <a:effectLst>
                   <a:outerShdw dist="35921" dir="2700000" algn="ctr" rotWithShape="0">
                     <a:schemeClr val="bg2"/>
@@ -12777,7 +12777,7 @@
           <a:effectLst/>
           <a:extLst>
             <a:ext uri="{AF507438-7753-43e0-B8FC-AC1667EBCBE1}">
-              <a14:hiddenEffects xmlns="" xmlns:a14="http://schemas.microsoft.com/office/drawing/2010/main">
+              <a14:hiddenEffects xmlns:a14="http://schemas.microsoft.com/office/drawing/2010/main" xmlns="">
                 <a:effectLst>
                   <a:outerShdw dist="35921" dir="2700000" algn="ctr" rotWithShape="0">
                     <a:schemeClr val="bg2"/>
@@ -12867,7 +12867,7 @@
           <a:effectLst/>
           <a:extLst>
             <a:ext uri="{AF507438-7753-43e0-B8FC-AC1667EBCBE1}">
-              <a14:hiddenEffects xmlns="" xmlns:a14="http://schemas.microsoft.com/office/drawing/2010/main">
+              <a14:hiddenEffects xmlns:a14="http://schemas.microsoft.com/office/drawing/2010/main" xmlns="">
                 <a:effectLst>
                   <a:outerShdw dist="35921" dir="2700000" algn="ctr" rotWithShape="0">
                     <a:schemeClr val="bg2"/>
@@ -13282,7 +13282,7 @@
           <a:effectLst/>
           <a:extLst>
             <a:ext uri="{AF507438-7753-43e0-B8FC-AC1667EBCBE1}">
-              <a14:hiddenEffects xmlns="" xmlns:a14="http://schemas.microsoft.com/office/drawing/2010/main">
+              <a14:hiddenEffects xmlns:a14="http://schemas.microsoft.com/office/drawing/2010/main" xmlns="">
                 <a:effectLst>
                   <a:outerShdw dist="35921" dir="2700000" algn="ctr" rotWithShape="0">
                     <a:schemeClr val="bg2"/>
@@ -13372,7 +13372,7 @@
           <a:effectLst/>
           <a:extLst>
             <a:ext uri="{AF507438-7753-43e0-B8FC-AC1667EBCBE1}">
-              <a14:hiddenEffects xmlns="" xmlns:a14="http://schemas.microsoft.com/office/drawing/2010/main">
+              <a14:hiddenEffects xmlns:a14="http://schemas.microsoft.com/office/drawing/2010/main" xmlns="">
                 <a:effectLst>
                   <a:outerShdw dist="35921" dir="2700000" algn="ctr" rotWithShape="0">
                     <a:schemeClr val="bg2"/>
@@ -13440,7 +13440,7 @@
           <p:nvPr>
             <p:extLst>
               <p:ext uri="{D42A27DB-BD31-4B8C-83A1-F6EECF244321}">
-                <p14:modId xmlns:p14="http://schemas.microsoft.com/office/powerpoint/2010/main" val="3090797820"/>
+                <p14:modId xmlns:p14="http://schemas.microsoft.com/office/powerpoint/2010/main" val="634014573"/>
               </p:ext>
             </p:extLst>
           </p:nvPr>
@@ -13537,10 +13537,18 @@
                     <a:p>
                       <a:pPr algn="ctr"/>
                       <a:r>
-                        <a:rPr lang="en-US" sz="2000" dirty="0"/>
+                        <a:rPr lang="en-US" sz="2000" dirty="0">
+                          <a:solidFill>
+                            <a:srgbClr val="FF0000"/>
+                          </a:solidFill>
+                        </a:rPr>
                         <a:t>2</a:t>
                       </a:r>
-                      <a:endParaRPr lang="en-SE" sz="2000" dirty="0"/>
+                      <a:endParaRPr lang="en-SE" sz="2000" dirty="0">
+                        <a:solidFill>
+                          <a:srgbClr val="FF0000"/>
+                        </a:solidFill>
+                      </a:endParaRPr>
                     </a:p>
                   </a:txBody>
                   <a:tcPr anchor="ctr"/>
@@ -13614,8 +13622,8 @@
         </p:nvSpPr>
         <p:spPr>
           <a:xfrm>
-            <a:off x="120987" y="5123294"/>
-            <a:ext cx="1189846" cy="338554"/>
+            <a:off x="120987" y="5139972"/>
+            <a:ext cx="1041776" cy="338554"/>
           </a:xfrm>
           <a:prstGeom prst="rect">
             <a:avLst/>
@@ -13912,17 +13920,17 @@
           <a:effectLst/>
           <a:extLst>
             <a:ext uri="{FAA26D3D-D897-4be2-8F04-BA451C77F1D7}">
-              <ma14:placeholderFlag xmlns:ma14="http://schemas.microsoft.com/office/mac/drawingml/2011/main" xmlns="" val="1"/>
+              <ma14:placeholderFlag xmlns="" xmlns:ma14="http://schemas.microsoft.com/office/mac/drawingml/2011/main" val="1"/>
             </a:ext>
             <a:ext uri="{909E8E84-426E-40dd-AFC4-6F175D3DCCD1}">
-              <a14:hiddenFill xmlns:a14="http://schemas.microsoft.com/office/drawing/2010/main" xmlns="">
+              <a14:hiddenFill xmlns="" xmlns:a14="http://schemas.microsoft.com/office/drawing/2010/main">
                 <a:solidFill>
                   <a:schemeClr val="bg1"/>
                 </a:solidFill>
               </a14:hiddenFill>
             </a:ext>
             <a:ext uri="{91240B29-F687-4f45-9708-019B960494DF}">
-              <a14:hiddenLine xmlns:a14="http://schemas.microsoft.com/office/drawing/2010/main" xmlns="" w="12700">
+              <a14:hiddenLine xmlns="" xmlns:a14="http://schemas.microsoft.com/office/drawing/2010/main" w="12700">
                 <a:pattFill prst="narHorz">
                   <a:fgClr>
                     <a:schemeClr val="tx1"/>
@@ -13937,7 +13945,7 @@
               </a14:hiddenLine>
             </a:ext>
             <a:ext uri="{AF507438-7753-43e0-B8FC-AC1667EBCBE1}">
-              <a14:hiddenEffects xmlns:a14="http://schemas.microsoft.com/office/drawing/2010/main" xmlns="">
+              <a14:hiddenEffects xmlns="" xmlns:a14="http://schemas.microsoft.com/office/drawing/2010/main">
                 <a:effectLst>
                   <a:outerShdw blurRad="63500" dist="38099" dir="2700000" algn="ctr" rotWithShape="0">
                     <a:schemeClr val="bg2">
@@ -14153,6 +14161,321 @@
               <a:t>so only one subarray is left after each step.</a:t>
             </a:r>
             <a:endParaRPr lang="en-SE" kern="0" dirty="0"/>
+          </a:p>
+        </p:txBody>
+      </p:sp>
+      <p:cxnSp>
+        <p:nvCxnSpPr>
+          <p:cNvPr id="3" name="Straight Arrow Connector 2">
+            <a:extLst>
+              <a:ext uri="{FF2B5EF4-FFF2-40B4-BE49-F238E27FC236}">
+                <a16:creationId xmlns:a16="http://schemas.microsoft.com/office/drawing/2014/main" id="{DD9D79BE-B812-C18B-048E-3DA6B372BC08}"/>
+              </a:ext>
+            </a:extLst>
+          </p:cNvPr>
+          <p:cNvCxnSpPr>
+            <a:cxnSpLocks/>
+          </p:cNvCxnSpPr>
+          <p:nvPr/>
+        </p:nvCxnSpPr>
+        <p:spPr bwMode="auto">
+          <a:xfrm>
+            <a:off x="66707" y="6036501"/>
+            <a:ext cx="1150336" cy="0"/>
+          </a:xfrm>
+          <a:prstGeom prst="straightConnector1">
+            <a:avLst/>
+          </a:prstGeom>
+          <a:solidFill>
+            <a:schemeClr val="bg1"/>
+          </a:solidFill>
+          <a:ln w="28575" cap="flat" cmpd="sng" algn="ctr">
+            <a:solidFill>
+              <a:schemeClr val="tx1"/>
+            </a:solidFill>
+            <a:prstDash val="solid"/>
+            <a:round/>
+            <a:headEnd type="none" w="med" len="med"/>
+            <a:tailEnd type="arrow" w="med" len="med"/>
+          </a:ln>
+          <a:effectLst/>
+          <a:extLst>
+            <a:ext uri="{AF507438-7753-43e0-B8FC-AC1667EBCBE1}">
+              <a14:hiddenEffects xmlns:a14="http://schemas.microsoft.com/office/drawing/2010/main" xmlns="">
+                <a:effectLst>
+                  <a:outerShdw dist="35921" dir="2700000" algn="ctr" rotWithShape="0">
+                    <a:schemeClr val="bg2"/>
+                  </a:outerShdw>
+                </a:effectLst>
+              </a14:hiddenEffects>
+            </a:ext>
+          </a:extLst>
+        </p:spPr>
+      </p:cxnSp>
+      <p:sp>
+        <p:nvSpPr>
+          <p:cNvPr id="5" name="TextBox 4">
+            <a:extLst>
+              <a:ext uri="{FF2B5EF4-FFF2-40B4-BE49-F238E27FC236}">
+                <a16:creationId xmlns:a16="http://schemas.microsoft.com/office/drawing/2014/main" id="{FB44E0E6-9642-9C20-8502-88566F16CB23}"/>
+              </a:ext>
+            </a:extLst>
+          </p:cNvPr>
+          <p:cNvSpPr txBox="1"/>
+          <p:nvPr/>
+        </p:nvSpPr>
+        <p:spPr>
+          <a:xfrm>
+            <a:off x="-27083" y="5673201"/>
+            <a:ext cx="1189846" cy="338554"/>
+          </a:xfrm>
+          <a:prstGeom prst="rect">
+            <a:avLst/>
+          </a:prstGeom>
+          <a:noFill/>
+        </p:spPr>
+        <p:txBody>
+          <a:bodyPr wrap="square">
+            <a:spAutoFit/>
+          </a:bodyPr>
+          <a:lstStyle/>
+          <a:p>
+            <a:r>
+              <a:rPr lang="en-GB" sz="1600" b="0" dirty="0">
+                <a:latin typeface="Arial" panose="020B0604020202020204" pitchFamily="34" charset="0"/>
+                <a:cs typeface="Arial" panose="020B0604020202020204" pitchFamily="34" charset="0"/>
+              </a:rPr>
+              <a:t>2 as pivot</a:t>
+            </a:r>
+            <a:endParaRPr lang="en-SE" sz="1600" b="0" dirty="0">
+              <a:latin typeface="Arial" panose="020B0604020202020204" pitchFamily="34" charset="0"/>
+              <a:cs typeface="Arial" panose="020B0604020202020204" pitchFamily="34" charset="0"/>
+            </a:endParaRPr>
+          </a:p>
+        </p:txBody>
+      </p:sp>
+      <p:graphicFrame>
+        <p:nvGraphicFramePr>
+          <p:cNvPr id="6" name="Content Placeholder 3">
+            <a:extLst>
+              <a:ext uri="{FF2B5EF4-FFF2-40B4-BE49-F238E27FC236}">
+                <a16:creationId xmlns:a16="http://schemas.microsoft.com/office/drawing/2014/main" id="{9B50413B-1992-6D1B-A265-CFF7563C96FE}"/>
+              </a:ext>
+            </a:extLst>
+          </p:cNvPr>
+          <p:cNvGraphicFramePr>
+            <a:graphicFrameLocks/>
+          </p:cNvGraphicFramePr>
+          <p:nvPr>
+            <p:extLst>
+              <p:ext uri="{D42A27DB-BD31-4B8C-83A1-F6EECF244321}">
+                <p14:modId xmlns:p14="http://schemas.microsoft.com/office/powerpoint/2010/main" val="3531498049"/>
+              </p:ext>
+            </p:extLst>
+          </p:nvPr>
+        </p:nvGraphicFramePr>
+        <p:xfrm>
+          <a:off x="1450020" y="5960499"/>
+          <a:ext cx="4397826" cy="457200"/>
+        </p:xfrm>
+        <a:graphic>
+          <a:graphicData uri="http://schemas.openxmlformats.org/drawingml/2006/table">
+            <a:tbl>
+              <a:tblPr firstRow="1" bandRow="1">
+                <a:tableStyleId>{5940675A-B579-460E-94D1-54222C63F5DA}</a:tableStyleId>
+              </a:tblPr>
+              <a:tblGrid>
+                <a:gridCol w="732971">
+                  <a:extLst>
+                    <a:ext uri="{9D8B030D-6E8A-4147-A177-3AD203B41FA5}">
+                      <a16:colId xmlns:a16="http://schemas.microsoft.com/office/drawing/2014/main" val="1092347686"/>
+                    </a:ext>
+                  </a:extLst>
+                </a:gridCol>
+                <a:gridCol w="732971">
+                  <a:extLst>
+                    <a:ext uri="{9D8B030D-6E8A-4147-A177-3AD203B41FA5}">
+                      <a16:colId xmlns:a16="http://schemas.microsoft.com/office/drawing/2014/main" val="3808001989"/>
+                    </a:ext>
+                  </a:extLst>
+                </a:gridCol>
+                <a:gridCol w="732971">
+                  <a:extLst>
+                    <a:ext uri="{9D8B030D-6E8A-4147-A177-3AD203B41FA5}">
+                      <a16:colId xmlns:a16="http://schemas.microsoft.com/office/drawing/2014/main" val="1745240979"/>
+                    </a:ext>
+                  </a:extLst>
+                </a:gridCol>
+                <a:gridCol w="732971">
+                  <a:extLst>
+                    <a:ext uri="{9D8B030D-6E8A-4147-A177-3AD203B41FA5}">
+                      <a16:colId xmlns:a16="http://schemas.microsoft.com/office/drawing/2014/main" val="830981527"/>
+                    </a:ext>
+                  </a:extLst>
+                </a:gridCol>
+                <a:gridCol w="732971">
+                  <a:extLst>
+                    <a:ext uri="{9D8B030D-6E8A-4147-A177-3AD203B41FA5}">
+                      <a16:colId xmlns:a16="http://schemas.microsoft.com/office/drawing/2014/main" val="323891662"/>
+                    </a:ext>
+                  </a:extLst>
+                </a:gridCol>
+                <a:gridCol w="732971">
+                  <a:extLst>
+                    <a:ext uri="{9D8B030D-6E8A-4147-A177-3AD203B41FA5}">
+                      <a16:colId xmlns:a16="http://schemas.microsoft.com/office/drawing/2014/main" val="3598847113"/>
+                    </a:ext>
+                  </a:extLst>
+                </a:gridCol>
+              </a:tblGrid>
+              <a:tr h="457200">
+                <a:tc>
+                  <a:txBody>
+                    <a:bodyPr/>
+                    <a:lstStyle/>
+                    <a:p>
+                      <a:pPr algn="ctr"/>
+                      <a:r>
+                        <a:rPr lang="en-US" sz="2000" dirty="0"/>
+                        <a:t>0</a:t>
+                      </a:r>
+                      <a:endParaRPr lang="en-SE" sz="2000" dirty="0"/>
+                    </a:p>
+                  </a:txBody>
+                  <a:tcPr anchor="ctr"/>
+                </a:tc>
+                <a:tc>
+                  <a:txBody>
+                    <a:bodyPr/>
+                    <a:lstStyle/>
+                    <a:p>
+                      <a:pPr algn="ctr"/>
+                      <a:r>
+                        <a:rPr lang="en-US" sz="2000" dirty="0"/>
+                        <a:t>1</a:t>
+                      </a:r>
+                      <a:endParaRPr lang="en-SE" sz="2000" dirty="0"/>
+                    </a:p>
+                  </a:txBody>
+                  <a:tcPr anchor="ctr"/>
+                </a:tc>
+                <a:tc>
+                  <a:txBody>
+                    <a:bodyPr/>
+                    <a:lstStyle/>
+                    <a:p>
+                      <a:pPr algn="ctr"/>
+                      <a:r>
+                        <a:rPr lang="en-US" sz="2000" dirty="0">
+                          <a:solidFill>
+                            <a:schemeClr val="tx1"/>
+                          </a:solidFill>
+                        </a:rPr>
+                        <a:t>2</a:t>
+                      </a:r>
+                      <a:endParaRPr lang="en-SE" sz="2000" dirty="0">
+                        <a:solidFill>
+                          <a:schemeClr val="tx1"/>
+                        </a:solidFill>
+                      </a:endParaRPr>
+                    </a:p>
+                  </a:txBody>
+                  <a:tcPr anchor="ctr"/>
+                </a:tc>
+                <a:tc>
+                  <a:txBody>
+                    <a:bodyPr/>
+                    <a:lstStyle/>
+                    <a:p>
+                      <a:pPr algn="ctr"/>
+                      <a:r>
+                        <a:rPr lang="en-US" sz="2000" dirty="0"/>
+                        <a:t>3</a:t>
+                      </a:r>
+                      <a:endParaRPr lang="en-SE" sz="2000" dirty="0"/>
+                    </a:p>
+                  </a:txBody>
+                  <a:tcPr anchor="ctr"/>
+                </a:tc>
+                <a:tc>
+                  <a:txBody>
+                    <a:bodyPr/>
+                    <a:lstStyle/>
+                    <a:p>
+                      <a:pPr algn="ctr"/>
+                      <a:r>
+                        <a:rPr lang="en-US" sz="2000" dirty="0"/>
+                        <a:t>4</a:t>
+                      </a:r>
+                      <a:endParaRPr lang="en-SE" sz="2000" dirty="0"/>
+                    </a:p>
+                  </a:txBody>
+                  <a:tcPr anchor="ctr"/>
+                </a:tc>
+                <a:tc>
+                  <a:txBody>
+                    <a:bodyPr/>
+                    <a:lstStyle/>
+                    <a:p>
+                      <a:pPr algn="ctr"/>
+                      <a:r>
+                        <a:rPr lang="en-US" sz="2000" dirty="0"/>
+                        <a:t>5</a:t>
+                      </a:r>
+                      <a:endParaRPr lang="en-SE" sz="2000" dirty="0"/>
+                    </a:p>
+                  </a:txBody>
+                  <a:tcPr anchor="ctr"/>
+                </a:tc>
+                <a:extLst>
+                  <a:ext uri="{0D108BD9-81ED-4DB2-BD59-A6C34878D82A}">
+                    <a16:rowId xmlns:a16="http://schemas.microsoft.com/office/drawing/2014/main" val="3643504535"/>
+                  </a:ext>
+                </a:extLst>
+              </a:tr>
+            </a:tbl>
+          </a:graphicData>
+        </a:graphic>
+      </p:graphicFrame>
+      <p:sp>
+        <p:nvSpPr>
+          <p:cNvPr id="10" name="TextBox 9">
+            <a:extLst>
+              <a:ext uri="{FF2B5EF4-FFF2-40B4-BE49-F238E27FC236}">
+                <a16:creationId xmlns:a16="http://schemas.microsoft.com/office/drawing/2014/main" id="{D3342F66-7A06-F98E-D8A6-571D3D39918C}"/>
+              </a:ext>
+            </a:extLst>
+          </p:cNvPr>
+          <p:cNvSpPr txBox="1"/>
+          <p:nvPr/>
+        </p:nvSpPr>
+        <p:spPr>
+          <a:xfrm>
+            <a:off x="51149" y="6055870"/>
+            <a:ext cx="1048180" cy="338554"/>
+          </a:xfrm>
+          <a:prstGeom prst="rect">
+            <a:avLst/>
+          </a:prstGeom>
+          <a:noFill/>
+        </p:spPr>
+        <p:txBody>
+          <a:bodyPr wrap="square">
+            <a:spAutoFit/>
+          </a:bodyPr>
+          <a:lstStyle/>
+          <a:p>
+            <a:r>
+              <a:rPr lang="en-US" altLang="zh-CN" sz="1600" b="0" dirty="0">
+                <a:latin typeface="Arial" panose="020B0604020202020204" pitchFamily="34" charset="0"/>
+                <a:cs typeface="Arial" panose="020B0604020202020204" pitchFamily="34" charset="0"/>
+              </a:rPr>
+              <a:t>No swap</a:t>
+            </a:r>
+            <a:endParaRPr lang="en-SE" sz="1600" b="0" dirty="0">
+              <a:latin typeface="Arial" panose="020B0604020202020204" pitchFamily="34" charset="0"/>
+              <a:cs typeface="Arial" panose="020B0604020202020204" pitchFamily="34" charset="0"/>
+            </a:endParaRPr>
           </a:p>
         </p:txBody>
       </p:sp>
